--- a/C_Program/图示.pptx
+++ b/C_Program/图示.pptx
@@ -5,7 +5,7 @@
     <p:sldMasterId id="2147483648" r:id="rId1"/>
   </p:sldMasterIdLst>
   <p:notesMasterIdLst>
-    <p:notesMasterId r:id="rId41"/>
+    <p:notesMasterId r:id="rId45"/>
   </p:notesMasterIdLst>
   <p:sldIdLst>
     <p:sldId id="256" r:id="rId2"/>
@@ -47,6 +47,10 @@
     <p:sldId id="292" r:id="rId38"/>
     <p:sldId id="293" r:id="rId39"/>
     <p:sldId id="294" r:id="rId40"/>
+    <p:sldId id="295" r:id="rId41"/>
+    <p:sldId id="296" r:id="rId42"/>
+    <p:sldId id="297" r:id="rId43"/>
+    <p:sldId id="298" r:id="rId44"/>
   </p:sldIdLst>
   <p:sldSz cx="12192000" cy="6858000"/>
   <p:notesSz cx="6858000" cy="9144000"/>
@@ -261,7 +265,7 @@
           <a:p>
             <a:fld id="{3D8B52AB-5AC2-48CB-8529-452DD95902DB}" type="datetimeFigureOut">
               <a:rPr lang="zh-CN" altLang="en-US" smtClean="0"/>
-              <a:t>2021/10/30</a:t>
+              <a:t>2021/11/7</a:t>
             </a:fld>
             <a:endParaRPr lang="zh-CN" altLang="en-US"/>
           </a:p>
@@ -675,7 +679,7 @@
           <a:p>
             <a:fld id="{1BE091E3-6ADC-4E11-A93B-4559B4B2F556}" type="datetimeFigureOut">
               <a:rPr lang="zh-CN" altLang="en-US" smtClean="0"/>
-              <a:t>2021/10/30</a:t>
+              <a:t>2021/11/7</a:t>
             </a:fld>
             <a:endParaRPr lang="zh-CN" altLang="en-US"/>
           </a:p>
@@ -873,7 +877,7 @@
           <a:p>
             <a:fld id="{1BE091E3-6ADC-4E11-A93B-4559B4B2F556}" type="datetimeFigureOut">
               <a:rPr lang="zh-CN" altLang="en-US" smtClean="0"/>
-              <a:t>2021/10/30</a:t>
+              <a:t>2021/11/7</a:t>
             </a:fld>
             <a:endParaRPr lang="zh-CN" altLang="en-US"/>
           </a:p>
@@ -1081,7 +1085,7 @@
           <a:p>
             <a:fld id="{1BE091E3-6ADC-4E11-A93B-4559B4B2F556}" type="datetimeFigureOut">
               <a:rPr lang="zh-CN" altLang="en-US" smtClean="0"/>
-              <a:t>2021/10/30</a:t>
+              <a:t>2021/11/7</a:t>
             </a:fld>
             <a:endParaRPr lang="zh-CN" altLang="en-US"/>
           </a:p>
@@ -1279,7 +1283,7 @@
           <a:p>
             <a:fld id="{1BE091E3-6ADC-4E11-A93B-4559B4B2F556}" type="datetimeFigureOut">
               <a:rPr lang="zh-CN" altLang="en-US" smtClean="0"/>
-              <a:t>2021/10/30</a:t>
+              <a:t>2021/11/7</a:t>
             </a:fld>
             <a:endParaRPr lang="zh-CN" altLang="en-US"/>
           </a:p>
@@ -1554,7 +1558,7 @@
           <a:p>
             <a:fld id="{1BE091E3-6ADC-4E11-A93B-4559B4B2F556}" type="datetimeFigureOut">
               <a:rPr lang="zh-CN" altLang="en-US" smtClean="0"/>
-              <a:t>2021/10/30</a:t>
+              <a:t>2021/11/7</a:t>
             </a:fld>
             <a:endParaRPr lang="zh-CN" altLang="en-US"/>
           </a:p>
@@ -1819,7 +1823,7 @@
           <a:p>
             <a:fld id="{1BE091E3-6ADC-4E11-A93B-4559B4B2F556}" type="datetimeFigureOut">
               <a:rPr lang="zh-CN" altLang="en-US" smtClean="0"/>
-              <a:t>2021/10/30</a:t>
+              <a:t>2021/11/7</a:t>
             </a:fld>
             <a:endParaRPr lang="zh-CN" altLang="en-US"/>
           </a:p>
@@ -2231,7 +2235,7 @@
           <a:p>
             <a:fld id="{1BE091E3-6ADC-4E11-A93B-4559B4B2F556}" type="datetimeFigureOut">
               <a:rPr lang="zh-CN" altLang="en-US" smtClean="0"/>
-              <a:t>2021/10/30</a:t>
+              <a:t>2021/11/7</a:t>
             </a:fld>
             <a:endParaRPr lang="zh-CN" altLang="en-US"/>
           </a:p>
@@ -2372,7 +2376,7 @@
           <a:p>
             <a:fld id="{1BE091E3-6ADC-4E11-A93B-4559B4B2F556}" type="datetimeFigureOut">
               <a:rPr lang="zh-CN" altLang="en-US" smtClean="0"/>
-              <a:t>2021/10/30</a:t>
+              <a:t>2021/11/7</a:t>
             </a:fld>
             <a:endParaRPr lang="zh-CN" altLang="en-US"/>
           </a:p>
@@ -2485,7 +2489,7 @@
           <a:p>
             <a:fld id="{1BE091E3-6ADC-4E11-A93B-4559B4B2F556}" type="datetimeFigureOut">
               <a:rPr lang="zh-CN" altLang="en-US" smtClean="0"/>
-              <a:t>2021/10/30</a:t>
+              <a:t>2021/11/7</a:t>
             </a:fld>
             <a:endParaRPr lang="zh-CN" altLang="en-US"/>
           </a:p>
@@ -2796,7 +2800,7 @@
           <a:p>
             <a:fld id="{1BE091E3-6ADC-4E11-A93B-4559B4B2F556}" type="datetimeFigureOut">
               <a:rPr lang="zh-CN" altLang="en-US" smtClean="0"/>
-              <a:t>2021/10/30</a:t>
+              <a:t>2021/11/7</a:t>
             </a:fld>
             <a:endParaRPr lang="zh-CN" altLang="en-US"/>
           </a:p>
@@ -3084,7 +3088,7 @@
           <a:p>
             <a:fld id="{1BE091E3-6ADC-4E11-A93B-4559B4B2F556}" type="datetimeFigureOut">
               <a:rPr lang="zh-CN" altLang="en-US" smtClean="0"/>
-              <a:t>2021/10/30</a:t>
+              <a:t>2021/11/7</a:t>
             </a:fld>
             <a:endParaRPr lang="zh-CN" altLang="en-US"/>
           </a:p>
@@ -3325,7 +3329,7 @@
           <a:p>
             <a:fld id="{1BE091E3-6ADC-4E11-A93B-4559B4B2F556}" type="datetimeFigureOut">
               <a:rPr lang="zh-CN" altLang="en-US" smtClean="0"/>
-              <a:t>2021/10/30</a:t>
+              <a:t>2021/11/7</a:t>
             </a:fld>
             <a:endParaRPr lang="zh-CN" altLang="en-US"/>
           </a:p>
@@ -30460,6 +30464,2449 @@
     <p:extLst>
       <p:ext uri="{BB962C8B-B14F-4D97-AF65-F5344CB8AC3E}">
         <p14:creationId xmlns:p14="http://schemas.microsoft.com/office/powerpoint/2010/main" val="3276463057"/>
+      </p:ext>
+    </p:extLst>
+  </p:cSld>
+  <p:clrMapOvr>
+    <a:masterClrMapping/>
+  </p:clrMapOvr>
+</p:sld>
+</file>
+
+<file path=ppt/slides/slide40.xml><?xml version="1.0" encoding="utf-8"?>
+<p:sld xmlns:a="http://schemas.openxmlformats.org/drawingml/2006/main" xmlns:r="http://schemas.openxmlformats.org/officeDocument/2006/relationships" xmlns:p="http://schemas.openxmlformats.org/presentationml/2006/main">
+  <p:cSld>
+    <p:spTree>
+      <p:nvGrpSpPr>
+        <p:cNvPr id="1" name=""/>
+        <p:cNvGrpSpPr/>
+        <p:nvPr/>
+      </p:nvGrpSpPr>
+      <p:grpSpPr>
+        <a:xfrm>
+          <a:off x="0" y="0"/>
+          <a:ext cx="0" cy="0"/>
+          <a:chOff x="0" y="0"/>
+          <a:chExt cx="0" cy="0"/>
+        </a:xfrm>
+      </p:grpSpPr>
+      <p:graphicFrame>
+        <p:nvGraphicFramePr>
+          <p:cNvPr id="4" name="表格 4">
+            <a:extLst>
+              <a:ext uri="{FF2B5EF4-FFF2-40B4-BE49-F238E27FC236}">
+                <a16:creationId xmlns:a16="http://schemas.microsoft.com/office/drawing/2014/main" id="{12C4F0D4-EEBA-4703-8D49-349849414D5A}"/>
+              </a:ext>
+            </a:extLst>
+          </p:cNvPr>
+          <p:cNvGraphicFramePr>
+            <a:graphicFrameLocks noGrp="1"/>
+          </p:cNvGraphicFramePr>
+          <p:nvPr>
+            <p:extLst>
+              <p:ext uri="{D42A27DB-BD31-4B8C-83A1-F6EECF244321}">
+                <p14:modId xmlns:p14="http://schemas.microsoft.com/office/powerpoint/2010/main" val="2992814950"/>
+              </p:ext>
+            </p:extLst>
+          </p:nvPr>
+        </p:nvGraphicFramePr>
+        <p:xfrm>
+          <a:off x="2031998" y="719666"/>
+          <a:ext cx="9599563" cy="3950441"/>
+        </p:xfrm>
+        <a:graphic>
+          <a:graphicData uri="http://schemas.openxmlformats.org/drawingml/2006/table">
+            <a:tbl>
+              <a:tblPr firstRow="1" bandRow="1">
+                <a:tableStyleId>{5940675A-B579-460E-94D1-54222C63F5DA}</a:tableStyleId>
+              </a:tblPr>
+              <a:tblGrid>
+                <a:gridCol w="2922585">
+                  <a:extLst>
+                    <a:ext uri="{9D8B030D-6E8A-4147-A177-3AD203B41FA5}">
+                      <a16:colId xmlns:a16="http://schemas.microsoft.com/office/drawing/2014/main" val="98530787"/>
+                    </a:ext>
+                  </a:extLst>
+                </a:gridCol>
+                <a:gridCol w="6676978">
+                  <a:extLst>
+                    <a:ext uri="{9D8B030D-6E8A-4147-A177-3AD203B41FA5}">
+                      <a16:colId xmlns:a16="http://schemas.microsoft.com/office/drawing/2014/main" val="3276399310"/>
+                    </a:ext>
+                  </a:extLst>
+                </a:gridCol>
+              </a:tblGrid>
+              <a:tr h="393075">
+                <a:tc>
+                  <a:txBody>
+                    <a:bodyPr/>
+                    <a:lstStyle/>
+                    <a:p>
+                      <a:r>
+                        <a:rPr lang="zh-CN" altLang="en-US" dirty="0"/>
+                        <a:t>指令</a:t>
+                      </a:r>
+                    </a:p>
+                  </a:txBody>
+                  <a:tcPr/>
+                </a:tc>
+                <a:tc>
+                  <a:txBody>
+                    <a:bodyPr/>
+                    <a:lstStyle/>
+                    <a:p>
+                      <a:r>
+                        <a:rPr lang="zh-CN" altLang="en-US" dirty="0"/>
+                        <a:t>说明</a:t>
+                      </a:r>
+                    </a:p>
+                  </a:txBody>
+                  <a:tcPr/>
+                </a:tc>
+                <a:extLst>
+                  <a:ext uri="{0D108BD9-81ED-4DB2-BD59-A6C34878D82A}">
+                    <a16:rowId xmlns:a16="http://schemas.microsoft.com/office/drawing/2014/main" val="3328496916"/>
+                  </a:ext>
+                </a:extLst>
+              </a:tr>
+              <a:tr h="393075">
+                <a:tc>
+                  <a:txBody>
+                    <a:bodyPr/>
+                    <a:lstStyle/>
+                    <a:p>
+                      <a:r>
+                        <a:rPr lang="en-US" altLang="zh-CN" dirty="0"/>
+                        <a:t>#</a:t>
+                      </a:r>
+                      <a:endParaRPr lang="zh-CN" altLang="en-US" dirty="0"/>
+                    </a:p>
+                  </a:txBody>
+                  <a:tcPr/>
+                </a:tc>
+                <a:tc>
+                  <a:txBody>
+                    <a:bodyPr/>
+                    <a:lstStyle/>
+                    <a:p>
+                      <a:r>
+                        <a:rPr lang="zh-CN" altLang="en-US" dirty="0"/>
+                        <a:t>空指令，无任何效果</a:t>
+                      </a:r>
+                    </a:p>
+                  </a:txBody>
+                  <a:tcPr/>
+                </a:tc>
+                <a:extLst>
+                  <a:ext uri="{0D108BD9-81ED-4DB2-BD59-A6C34878D82A}">
+                    <a16:rowId xmlns:a16="http://schemas.microsoft.com/office/drawing/2014/main" val="3616514086"/>
+                  </a:ext>
+                </a:extLst>
+              </a:tr>
+              <a:tr h="393075">
+                <a:tc>
+                  <a:txBody>
+                    <a:bodyPr/>
+                    <a:lstStyle/>
+                    <a:p>
+                      <a:r>
+                        <a:rPr lang="en-US" altLang="zh-CN" dirty="0"/>
+                        <a:t>#include</a:t>
+                      </a:r>
+                      <a:endParaRPr lang="zh-CN" altLang="en-US" dirty="0"/>
+                    </a:p>
+                  </a:txBody>
+                  <a:tcPr/>
+                </a:tc>
+                <a:tc>
+                  <a:txBody>
+                    <a:bodyPr/>
+                    <a:lstStyle/>
+                    <a:p>
+                      <a:r>
+                        <a:rPr lang="zh-CN" altLang="en-US" dirty="0"/>
+                        <a:t>包含一个源代码文件</a:t>
+                      </a:r>
+                    </a:p>
+                  </a:txBody>
+                  <a:tcPr/>
+                </a:tc>
+                <a:extLst>
+                  <a:ext uri="{0D108BD9-81ED-4DB2-BD59-A6C34878D82A}">
+                    <a16:rowId xmlns:a16="http://schemas.microsoft.com/office/drawing/2014/main" val="2467790065"/>
+                  </a:ext>
+                </a:extLst>
+              </a:tr>
+              <a:tr h="393075">
+                <a:tc>
+                  <a:txBody>
+                    <a:bodyPr/>
+                    <a:lstStyle/>
+                    <a:p>
+                      <a:r>
+                        <a:rPr lang="en-US" altLang="zh-CN" dirty="0"/>
+                        <a:t>#define</a:t>
+                      </a:r>
+                      <a:endParaRPr lang="zh-CN" altLang="en-US" dirty="0"/>
+                    </a:p>
+                  </a:txBody>
+                  <a:tcPr/>
+                </a:tc>
+                <a:tc>
+                  <a:txBody>
+                    <a:bodyPr/>
+                    <a:lstStyle/>
+                    <a:p>
+                      <a:r>
+                        <a:rPr lang="zh-CN" altLang="en-US" dirty="0"/>
+                        <a:t>定义宏</a:t>
+                      </a:r>
+                    </a:p>
+                  </a:txBody>
+                  <a:tcPr/>
+                </a:tc>
+                <a:extLst>
+                  <a:ext uri="{0D108BD9-81ED-4DB2-BD59-A6C34878D82A}">
+                    <a16:rowId xmlns:a16="http://schemas.microsoft.com/office/drawing/2014/main" val="253819685"/>
+                  </a:ext>
+                </a:extLst>
+              </a:tr>
+              <a:tr h="393075">
+                <a:tc>
+                  <a:txBody>
+                    <a:bodyPr/>
+                    <a:lstStyle/>
+                    <a:p>
+                      <a:r>
+                        <a:rPr lang="en-US" altLang="zh-CN" dirty="0"/>
+                        <a:t>#undef</a:t>
+                      </a:r>
+                      <a:endParaRPr lang="zh-CN" altLang="en-US" dirty="0"/>
+                    </a:p>
+                  </a:txBody>
+                  <a:tcPr/>
+                </a:tc>
+                <a:tc>
+                  <a:txBody>
+                    <a:bodyPr/>
+                    <a:lstStyle/>
+                    <a:p>
+                      <a:r>
+                        <a:rPr lang="zh-CN" altLang="en-US" dirty="0"/>
+                        <a:t>取消已经定义的宏</a:t>
+                      </a:r>
+                    </a:p>
+                  </a:txBody>
+                  <a:tcPr/>
+                </a:tc>
+                <a:extLst>
+                  <a:ext uri="{0D108BD9-81ED-4DB2-BD59-A6C34878D82A}">
+                    <a16:rowId xmlns:a16="http://schemas.microsoft.com/office/drawing/2014/main" val="4147319502"/>
+                  </a:ext>
+                </a:extLst>
+              </a:tr>
+              <a:tr h="393075">
+                <a:tc>
+                  <a:txBody>
+                    <a:bodyPr/>
+                    <a:lstStyle/>
+                    <a:p>
+                      <a:r>
+                        <a:rPr lang="en-US" altLang="zh-CN" dirty="0"/>
+                        <a:t>#if</a:t>
+                      </a:r>
+                      <a:endParaRPr lang="zh-CN" altLang="en-US" dirty="0"/>
+                    </a:p>
+                  </a:txBody>
+                  <a:tcPr/>
+                </a:tc>
+                <a:tc>
+                  <a:txBody>
+                    <a:bodyPr/>
+                    <a:lstStyle/>
+                    <a:p>
+                      <a:r>
+                        <a:rPr lang="zh-CN" altLang="en-US" dirty="0"/>
+                        <a:t>如果给定条件为真，则编译下面代码</a:t>
+                      </a:r>
+                    </a:p>
+                  </a:txBody>
+                  <a:tcPr/>
+                </a:tc>
+                <a:extLst>
+                  <a:ext uri="{0D108BD9-81ED-4DB2-BD59-A6C34878D82A}">
+                    <a16:rowId xmlns:a16="http://schemas.microsoft.com/office/drawing/2014/main" val="3690418115"/>
+                  </a:ext>
+                </a:extLst>
+              </a:tr>
+              <a:tr h="393075">
+                <a:tc>
+                  <a:txBody>
+                    <a:bodyPr/>
+                    <a:lstStyle/>
+                    <a:p>
+                      <a:r>
+                        <a:rPr lang="en-US" altLang="zh-CN" dirty="0"/>
+                        <a:t>#ifdef</a:t>
+                      </a:r>
+                      <a:endParaRPr lang="zh-CN" altLang="en-US" dirty="0"/>
+                    </a:p>
+                  </a:txBody>
+                  <a:tcPr/>
+                </a:tc>
+                <a:tc>
+                  <a:txBody>
+                    <a:bodyPr/>
+                    <a:lstStyle/>
+                    <a:p>
+                      <a:r>
+                        <a:rPr lang="zh-CN" altLang="en-US" dirty="0"/>
+                        <a:t>如果宏已经定义，则编译下面代码</a:t>
+                      </a:r>
+                    </a:p>
+                  </a:txBody>
+                  <a:tcPr/>
+                </a:tc>
+                <a:extLst>
+                  <a:ext uri="{0D108BD9-81ED-4DB2-BD59-A6C34878D82A}">
+                    <a16:rowId xmlns:a16="http://schemas.microsoft.com/office/drawing/2014/main" val="3494945489"/>
+                  </a:ext>
+                </a:extLst>
+              </a:tr>
+              <a:tr h="393075">
+                <a:tc>
+                  <a:txBody>
+                    <a:bodyPr/>
+                    <a:lstStyle/>
+                    <a:p>
+                      <a:r>
+                        <a:rPr lang="en-US" altLang="zh-CN" dirty="0"/>
+                        <a:t>#ifndef</a:t>
+                      </a:r>
+                      <a:endParaRPr lang="zh-CN" altLang="en-US" dirty="0"/>
+                    </a:p>
+                  </a:txBody>
+                  <a:tcPr/>
+                </a:tc>
+                <a:tc>
+                  <a:txBody>
+                    <a:bodyPr/>
+                    <a:lstStyle/>
+                    <a:p>
+                      <a:r>
+                        <a:rPr lang="zh-CN" altLang="en-US" dirty="0"/>
+                        <a:t>如果宏没有定义，则编译下面代码</a:t>
+                      </a:r>
+                    </a:p>
+                  </a:txBody>
+                  <a:tcPr/>
+                </a:tc>
+                <a:extLst>
+                  <a:ext uri="{0D108BD9-81ED-4DB2-BD59-A6C34878D82A}">
+                    <a16:rowId xmlns:a16="http://schemas.microsoft.com/office/drawing/2014/main" val="2691982481"/>
+                  </a:ext>
+                </a:extLst>
+              </a:tr>
+              <a:tr h="412766">
+                <a:tc>
+                  <a:txBody>
+                    <a:bodyPr/>
+                    <a:lstStyle/>
+                    <a:p>
+                      <a:r>
+                        <a:rPr lang="en-US" altLang="zh-CN" dirty="0"/>
+                        <a:t>#elif</a:t>
+                      </a:r>
+                      <a:endParaRPr lang="zh-CN" altLang="en-US" dirty="0"/>
+                    </a:p>
+                  </a:txBody>
+                  <a:tcPr/>
+                </a:tc>
+                <a:tc>
+                  <a:txBody>
+                    <a:bodyPr/>
+                    <a:lstStyle/>
+                    <a:p>
+                      <a:r>
+                        <a:rPr lang="zh-CN" altLang="en-US" dirty="0"/>
+                        <a:t>如果前面的</a:t>
+                      </a:r>
+                      <a:r>
+                        <a:rPr lang="en-US" altLang="zh-CN" dirty="0"/>
+                        <a:t>#if</a:t>
+                      </a:r>
+                      <a:r>
+                        <a:rPr lang="zh-CN" altLang="en-US" dirty="0"/>
+                        <a:t>给定条件不为真，当前条件为真，则编译下面代码</a:t>
+                      </a:r>
+                    </a:p>
+                  </a:txBody>
+                  <a:tcPr/>
+                </a:tc>
+                <a:extLst>
+                  <a:ext uri="{0D108BD9-81ED-4DB2-BD59-A6C34878D82A}">
+                    <a16:rowId xmlns:a16="http://schemas.microsoft.com/office/drawing/2014/main" val="1504560880"/>
+                  </a:ext>
+                </a:extLst>
+              </a:tr>
+              <a:tr h="393075">
+                <a:tc>
+                  <a:txBody>
+                    <a:bodyPr/>
+                    <a:lstStyle/>
+                    <a:p>
+                      <a:r>
+                        <a:rPr lang="en-US" altLang="zh-CN" dirty="0"/>
+                        <a:t>#endif</a:t>
+                      </a:r>
+                      <a:endParaRPr lang="zh-CN" altLang="en-US" dirty="0"/>
+                    </a:p>
+                  </a:txBody>
+                  <a:tcPr/>
+                </a:tc>
+                <a:tc>
+                  <a:txBody>
+                    <a:bodyPr/>
+                    <a:lstStyle/>
+                    <a:p>
+                      <a:r>
+                        <a:rPr lang="zh-CN" altLang="en-US" dirty="0"/>
+                        <a:t>结束一个</a:t>
+                      </a:r>
+                      <a:r>
+                        <a:rPr lang="en-US" altLang="zh-CN" dirty="0"/>
+                        <a:t>#if...#else</a:t>
+                      </a:r>
+                      <a:r>
+                        <a:rPr lang="zh-CN" altLang="en-US" dirty="0"/>
+                        <a:t>条件编译块</a:t>
+                      </a:r>
+                    </a:p>
+                  </a:txBody>
+                  <a:tcPr/>
+                </a:tc>
+                <a:extLst>
+                  <a:ext uri="{0D108BD9-81ED-4DB2-BD59-A6C34878D82A}">
+                    <a16:rowId xmlns:a16="http://schemas.microsoft.com/office/drawing/2014/main" val="3813626340"/>
+                  </a:ext>
+                </a:extLst>
+              </a:tr>
+            </a:tbl>
+          </a:graphicData>
+        </a:graphic>
+      </p:graphicFrame>
+    </p:spTree>
+    <p:extLst>
+      <p:ext uri="{BB962C8B-B14F-4D97-AF65-F5344CB8AC3E}">
+        <p14:creationId xmlns:p14="http://schemas.microsoft.com/office/powerpoint/2010/main" val="925491158"/>
+      </p:ext>
+    </p:extLst>
+  </p:cSld>
+  <p:clrMapOvr>
+    <a:masterClrMapping/>
+  </p:clrMapOvr>
+</p:sld>
+</file>
+
+<file path=ppt/slides/slide41.xml><?xml version="1.0" encoding="utf-8"?>
+<p:sld xmlns:a="http://schemas.openxmlformats.org/drawingml/2006/main" xmlns:r="http://schemas.openxmlformats.org/officeDocument/2006/relationships" xmlns:p="http://schemas.openxmlformats.org/presentationml/2006/main">
+  <p:cSld>
+    <p:spTree>
+      <p:nvGrpSpPr>
+        <p:cNvPr id="1" name=""/>
+        <p:cNvGrpSpPr/>
+        <p:nvPr/>
+      </p:nvGrpSpPr>
+      <p:grpSpPr>
+        <a:xfrm>
+          <a:off x="0" y="0"/>
+          <a:ext cx="0" cy="0"/>
+          <a:chOff x="0" y="0"/>
+          <a:chExt cx="0" cy="0"/>
+        </a:xfrm>
+      </p:grpSpPr>
+      <p:sp>
+        <p:nvSpPr>
+          <p:cNvPr id="5" name="矩形 4">
+            <a:extLst>
+              <a:ext uri="{FF2B5EF4-FFF2-40B4-BE49-F238E27FC236}">
+                <a16:creationId xmlns:a16="http://schemas.microsoft.com/office/drawing/2014/main" id="{2F35E96D-9BA2-4D60-8A54-8F8971644F77}"/>
+              </a:ext>
+            </a:extLst>
+          </p:cNvPr>
+          <p:cNvSpPr/>
+          <p:nvPr/>
+        </p:nvSpPr>
+        <p:spPr>
+          <a:xfrm>
+            <a:off x="932329" y="259976"/>
+            <a:ext cx="4061012" cy="5576048"/>
+          </a:xfrm>
+          <a:prstGeom prst="rect">
+            <a:avLst/>
+          </a:prstGeom>
+        </p:spPr>
+        <p:style>
+          <a:lnRef idx="2">
+            <a:schemeClr val="dk1"/>
+          </a:lnRef>
+          <a:fillRef idx="1">
+            <a:schemeClr val="lt1"/>
+          </a:fillRef>
+          <a:effectRef idx="0">
+            <a:schemeClr val="dk1"/>
+          </a:effectRef>
+          <a:fontRef idx="minor">
+            <a:schemeClr val="dk1"/>
+          </a:fontRef>
+        </p:style>
+        <p:txBody>
+          <a:bodyPr rtlCol="0" anchor="ctr"/>
+          <a:lstStyle/>
+          <a:p>
+            <a:pPr algn="ctr"/>
+            <a:endParaRPr lang="zh-CN" altLang="en-US"/>
+          </a:p>
+        </p:txBody>
+      </p:sp>
+      <p:graphicFrame>
+        <p:nvGraphicFramePr>
+          <p:cNvPr id="4" name="表格 4">
+            <a:extLst>
+              <a:ext uri="{FF2B5EF4-FFF2-40B4-BE49-F238E27FC236}">
+                <a16:creationId xmlns:a16="http://schemas.microsoft.com/office/drawing/2014/main" id="{203FD9D1-6FB2-4406-8FB8-8B63A43DF219}"/>
+              </a:ext>
+            </a:extLst>
+          </p:cNvPr>
+          <p:cNvGraphicFramePr>
+            <a:graphicFrameLocks noGrp="1"/>
+          </p:cNvGraphicFramePr>
+          <p:nvPr>
+            <p:extLst>
+              <p:ext uri="{D42A27DB-BD31-4B8C-83A1-F6EECF244321}">
+                <p14:modId xmlns:p14="http://schemas.microsoft.com/office/powerpoint/2010/main" val="4020302179"/>
+              </p:ext>
+            </p:extLst>
+          </p:nvPr>
+        </p:nvGraphicFramePr>
+        <p:xfrm>
+          <a:off x="2075607" y="749694"/>
+          <a:ext cx="1774456" cy="4596612"/>
+        </p:xfrm>
+        <a:graphic>
+          <a:graphicData uri="http://schemas.openxmlformats.org/drawingml/2006/table">
+            <a:tbl>
+              <a:tblPr firstRow="1" bandRow="1">
+                <a:tableStyleId>{5940675A-B579-460E-94D1-54222C63F5DA}</a:tableStyleId>
+              </a:tblPr>
+              <a:tblGrid>
+                <a:gridCol w="1774456">
+                  <a:extLst>
+                    <a:ext uri="{9D8B030D-6E8A-4147-A177-3AD203B41FA5}">
+                      <a16:colId xmlns:a16="http://schemas.microsoft.com/office/drawing/2014/main" val="1933498413"/>
+                    </a:ext>
+                  </a:extLst>
+                </a:gridCol>
+              </a:tblGrid>
+              <a:tr h="766102">
+                <a:tc>
+                  <a:txBody>
+                    <a:bodyPr/>
+                    <a:lstStyle/>
+                    <a:p>
+                      <a:endParaRPr lang="zh-CN" altLang="en-US" dirty="0"/>
+                    </a:p>
+                  </a:txBody>
+                  <a:tcPr/>
+                </a:tc>
+                <a:extLst>
+                  <a:ext uri="{0D108BD9-81ED-4DB2-BD59-A6C34878D82A}">
+                    <a16:rowId xmlns:a16="http://schemas.microsoft.com/office/drawing/2014/main" val="1689842979"/>
+                  </a:ext>
+                </a:extLst>
+              </a:tr>
+              <a:tr h="766102">
+                <a:tc>
+                  <a:txBody>
+                    <a:bodyPr/>
+                    <a:lstStyle/>
+                    <a:p>
+                      <a:r>
+                        <a:rPr lang="en-US" altLang="zh-CN" dirty="0"/>
+                        <a:t>0</a:t>
+                      </a:r>
+                      <a:endParaRPr lang="zh-CN" altLang="en-US" dirty="0"/>
+                    </a:p>
+                  </a:txBody>
+                  <a:tcPr/>
+                </a:tc>
+                <a:extLst>
+                  <a:ext uri="{0D108BD9-81ED-4DB2-BD59-A6C34878D82A}">
+                    <a16:rowId xmlns:a16="http://schemas.microsoft.com/office/drawing/2014/main" val="3317907574"/>
+                  </a:ext>
+                </a:extLst>
+              </a:tr>
+              <a:tr h="766102">
+                <a:tc>
+                  <a:txBody>
+                    <a:bodyPr/>
+                    <a:lstStyle/>
+                    <a:p>
+                      <a:r>
+                        <a:rPr lang="en-US" altLang="zh-CN" dirty="0"/>
+                        <a:t>100</a:t>
+                      </a:r>
+                      <a:endParaRPr lang="zh-CN" altLang="en-US" dirty="0"/>
+                    </a:p>
+                  </a:txBody>
+                  <a:tcPr/>
+                </a:tc>
+                <a:extLst>
+                  <a:ext uri="{0D108BD9-81ED-4DB2-BD59-A6C34878D82A}">
+                    <a16:rowId xmlns:a16="http://schemas.microsoft.com/office/drawing/2014/main" val="4214860403"/>
+                  </a:ext>
+                </a:extLst>
+              </a:tr>
+              <a:tr h="766102">
+                <a:tc>
+                  <a:txBody>
+                    <a:bodyPr/>
+                    <a:lstStyle/>
+                    <a:p>
+                      <a:r>
+                        <a:rPr lang="en-US" altLang="zh-CN" dirty="0"/>
+                        <a:t>99</a:t>
+                      </a:r>
+                      <a:endParaRPr lang="zh-CN" altLang="en-US" dirty="0"/>
+                    </a:p>
+                  </a:txBody>
+                  <a:tcPr/>
+                </a:tc>
+                <a:extLst>
+                  <a:ext uri="{0D108BD9-81ED-4DB2-BD59-A6C34878D82A}">
+                    <a16:rowId xmlns:a16="http://schemas.microsoft.com/office/drawing/2014/main" val="1579204875"/>
+                  </a:ext>
+                </a:extLst>
+              </a:tr>
+              <a:tr h="766102">
+                <a:tc>
+                  <a:txBody>
+                    <a:bodyPr/>
+                    <a:lstStyle/>
+                    <a:p>
+                      <a:r>
+                        <a:rPr lang="en-US" altLang="zh-CN" dirty="0"/>
+                        <a:t>98</a:t>
+                      </a:r>
+                      <a:endParaRPr lang="zh-CN" altLang="en-US" dirty="0"/>
+                    </a:p>
+                  </a:txBody>
+                  <a:tcPr/>
+                </a:tc>
+                <a:extLst>
+                  <a:ext uri="{0D108BD9-81ED-4DB2-BD59-A6C34878D82A}">
+                    <a16:rowId xmlns:a16="http://schemas.microsoft.com/office/drawing/2014/main" val="3787066683"/>
+                  </a:ext>
+                </a:extLst>
+              </a:tr>
+              <a:tr h="766102">
+                <a:tc>
+                  <a:txBody>
+                    <a:bodyPr/>
+                    <a:lstStyle/>
+                    <a:p>
+                      <a:r>
+                        <a:rPr lang="en-US" altLang="zh-CN" dirty="0"/>
+                        <a:t>97</a:t>
+                      </a:r>
+                      <a:endParaRPr lang="zh-CN" altLang="en-US" dirty="0"/>
+                    </a:p>
+                  </a:txBody>
+                  <a:tcPr/>
+                </a:tc>
+                <a:extLst>
+                  <a:ext uri="{0D108BD9-81ED-4DB2-BD59-A6C34878D82A}">
+                    <a16:rowId xmlns:a16="http://schemas.microsoft.com/office/drawing/2014/main" val="3449846529"/>
+                  </a:ext>
+                </a:extLst>
+              </a:tr>
+            </a:tbl>
+          </a:graphicData>
+        </a:graphic>
+      </p:graphicFrame>
+      <p:sp>
+        <p:nvSpPr>
+          <p:cNvPr id="6" name="文本框 5">
+            <a:extLst>
+              <a:ext uri="{FF2B5EF4-FFF2-40B4-BE49-F238E27FC236}">
+                <a16:creationId xmlns:a16="http://schemas.microsoft.com/office/drawing/2014/main" id="{FE4CD1B5-B31B-4507-A2B8-4D47989763B8}"/>
+              </a:ext>
+            </a:extLst>
+          </p:cNvPr>
+          <p:cNvSpPr txBox="1"/>
+          <p:nvPr/>
+        </p:nvSpPr>
+        <p:spPr>
+          <a:xfrm>
+            <a:off x="932329" y="259976"/>
+            <a:ext cx="415498" cy="369332"/>
+          </a:xfrm>
+          <a:prstGeom prst="rect">
+            <a:avLst/>
+          </a:prstGeom>
+          <a:noFill/>
+        </p:spPr>
+        <p:txBody>
+          <a:bodyPr wrap="none" rtlCol="0">
+            <a:spAutoFit/>
+          </a:bodyPr>
+          <a:lstStyle/>
+          <a:p>
+            <a:r>
+              <a:rPr lang="zh-CN" altLang="en-US" dirty="0"/>
+              <a:t>栈</a:t>
+            </a:r>
+          </a:p>
+        </p:txBody>
+      </p:sp>
+      <p:sp>
+        <p:nvSpPr>
+          <p:cNvPr id="7" name="文本框 6">
+            <a:extLst>
+              <a:ext uri="{FF2B5EF4-FFF2-40B4-BE49-F238E27FC236}">
+                <a16:creationId xmlns:a16="http://schemas.microsoft.com/office/drawing/2014/main" id="{401FE857-FD50-4AB9-BABD-C82256CEACD7}"/>
+              </a:ext>
+            </a:extLst>
+          </p:cNvPr>
+          <p:cNvSpPr txBox="1"/>
+          <p:nvPr/>
+        </p:nvSpPr>
+        <p:spPr>
+          <a:xfrm>
+            <a:off x="4078941" y="2863334"/>
+            <a:ext cx="914400" cy="369332"/>
+          </a:xfrm>
+          <a:prstGeom prst="rect">
+            <a:avLst/>
+          </a:prstGeom>
+          <a:noFill/>
+        </p:spPr>
+        <p:txBody>
+          <a:bodyPr wrap="square" rtlCol="0">
+            <a:spAutoFit/>
+          </a:bodyPr>
+          <a:lstStyle/>
+          <a:p>
+            <a:r>
+              <a:rPr lang="en-US" altLang="zh-CN" dirty="0"/>
+              <a:t>“abcd”</a:t>
+            </a:r>
+            <a:endParaRPr lang="zh-CN" altLang="en-US" dirty="0"/>
+          </a:p>
+        </p:txBody>
+      </p:sp>
+    </p:spTree>
+    <p:extLst>
+      <p:ext uri="{BB962C8B-B14F-4D97-AF65-F5344CB8AC3E}">
+        <p14:creationId xmlns:p14="http://schemas.microsoft.com/office/powerpoint/2010/main" val="2075560385"/>
+      </p:ext>
+    </p:extLst>
+  </p:cSld>
+  <p:clrMapOvr>
+    <a:masterClrMapping/>
+  </p:clrMapOvr>
+</p:sld>
+</file>
+
+<file path=ppt/slides/slide42.xml><?xml version="1.0" encoding="utf-8"?>
+<p:sld xmlns:a="http://schemas.openxmlformats.org/drawingml/2006/main" xmlns:r="http://schemas.openxmlformats.org/officeDocument/2006/relationships" xmlns:p="http://schemas.openxmlformats.org/presentationml/2006/main">
+  <p:cSld>
+    <p:spTree>
+      <p:nvGrpSpPr>
+        <p:cNvPr id="1" name=""/>
+        <p:cNvGrpSpPr/>
+        <p:nvPr/>
+      </p:nvGrpSpPr>
+      <p:grpSpPr>
+        <a:xfrm>
+          <a:off x="0" y="0"/>
+          <a:ext cx="0" cy="0"/>
+          <a:chOff x="0" y="0"/>
+          <a:chExt cx="0" cy="0"/>
+        </a:xfrm>
+      </p:grpSpPr>
+      <p:sp>
+        <p:nvSpPr>
+          <p:cNvPr id="4" name="矩形 3">
+            <a:extLst>
+              <a:ext uri="{FF2B5EF4-FFF2-40B4-BE49-F238E27FC236}">
+                <a16:creationId xmlns:a16="http://schemas.microsoft.com/office/drawing/2014/main" id="{BB1D67B7-D6C8-4DC7-A3B1-ADD6AF12849A}"/>
+              </a:ext>
+            </a:extLst>
+          </p:cNvPr>
+          <p:cNvSpPr/>
+          <p:nvPr/>
+        </p:nvSpPr>
+        <p:spPr>
+          <a:xfrm>
+            <a:off x="1257301" y="600075"/>
+            <a:ext cx="8515350" cy="5243513"/>
+          </a:xfrm>
+          <a:prstGeom prst="rect">
+            <a:avLst/>
+          </a:prstGeom>
+        </p:spPr>
+        <p:style>
+          <a:lnRef idx="2">
+            <a:schemeClr val="dk1"/>
+          </a:lnRef>
+          <a:fillRef idx="1">
+            <a:schemeClr val="lt1"/>
+          </a:fillRef>
+          <a:effectRef idx="0">
+            <a:schemeClr val="dk1"/>
+          </a:effectRef>
+          <a:fontRef idx="minor">
+            <a:schemeClr val="dk1"/>
+          </a:fontRef>
+        </p:style>
+        <p:txBody>
+          <a:bodyPr rtlCol="0" anchor="ctr"/>
+          <a:lstStyle/>
+          <a:p>
+            <a:pPr algn="ctr"/>
+            <a:endParaRPr lang="zh-CN" altLang="en-US"/>
+          </a:p>
+        </p:txBody>
+      </p:sp>
+      <p:sp>
+        <p:nvSpPr>
+          <p:cNvPr id="5" name="矩形 4">
+            <a:extLst>
+              <a:ext uri="{FF2B5EF4-FFF2-40B4-BE49-F238E27FC236}">
+                <a16:creationId xmlns:a16="http://schemas.microsoft.com/office/drawing/2014/main" id="{82EF5445-2412-4A97-877A-7A4A13ED8ECC}"/>
+              </a:ext>
+            </a:extLst>
+          </p:cNvPr>
+          <p:cNvSpPr/>
+          <p:nvPr/>
+        </p:nvSpPr>
+        <p:spPr>
+          <a:xfrm>
+            <a:off x="3357561" y="834034"/>
+            <a:ext cx="3114675" cy="4693445"/>
+          </a:xfrm>
+          <a:prstGeom prst="rect">
+            <a:avLst/>
+          </a:prstGeom>
+        </p:spPr>
+        <p:style>
+          <a:lnRef idx="2">
+            <a:schemeClr val="dk1"/>
+          </a:lnRef>
+          <a:fillRef idx="1">
+            <a:schemeClr val="lt1"/>
+          </a:fillRef>
+          <a:effectRef idx="0">
+            <a:schemeClr val="dk1"/>
+          </a:effectRef>
+          <a:fontRef idx="minor">
+            <a:schemeClr val="dk1"/>
+          </a:fontRef>
+        </p:style>
+        <p:txBody>
+          <a:bodyPr rtlCol="0" anchor="ctr"/>
+          <a:lstStyle/>
+          <a:p>
+            <a:pPr algn="ctr"/>
+            <a:endParaRPr lang="zh-CN" altLang="en-US"/>
+          </a:p>
+        </p:txBody>
+      </p:sp>
+      <p:sp>
+        <p:nvSpPr>
+          <p:cNvPr id="6" name="矩形 5">
+            <a:extLst>
+              <a:ext uri="{FF2B5EF4-FFF2-40B4-BE49-F238E27FC236}">
+                <a16:creationId xmlns:a16="http://schemas.microsoft.com/office/drawing/2014/main" id="{6647E0EC-5A93-46CB-94BA-251A646FA8B9}"/>
+              </a:ext>
+            </a:extLst>
+          </p:cNvPr>
+          <p:cNvSpPr/>
+          <p:nvPr/>
+        </p:nvSpPr>
+        <p:spPr>
+          <a:xfrm>
+            <a:off x="3545679" y="3473002"/>
+            <a:ext cx="2609852" cy="1148944"/>
+          </a:xfrm>
+          <a:prstGeom prst="rect">
+            <a:avLst/>
+          </a:prstGeom>
+        </p:spPr>
+        <p:style>
+          <a:lnRef idx="2">
+            <a:schemeClr val="dk1"/>
+          </a:lnRef>
+          <a:fillRef idx="1">
+            <a:schemeClr val="lt1"/>
+          </a:fillRef>
+          <a:effectRef idx="0">
+            <a:schemeClr val="dk1"/>
+          </a:effectRef>
+          <a:fontRef idx="minor">
+            <a:schemeClr val="dk1"/>
+          </a:fontRef>
+        </p:style>
+        <p:txBody>
+          <a:bodyPr rtlCol="0" anchor="ctr"/>
+          <a:lstStyle/>
+          <a:p>
+            <a:pPr algn="ctr"/>
+            <a:r>
+              <a:rPr lang="en-US" altLang="zh-CN" dirty="0"/>
+              <a:t>test</a:t>
+            </a:r>
+          </a:p>
+          <a:p>
+            <a:pPr algn="ctr"/>
+            <a:r>
+              <a:rPr lang="en-US" altLang="zh-CN" dirty="0"/>
+              <a:t>n=4</a:t>
+            </a:r>
+          </a:p>
+          <a:p>
+            <a:pPr algn="ctr"/>
+            <a:r>
+              <a:rPr lang="en-US" altLang="zh-CN" dirty="0"/>
+              <a:t>if(n&gt;2) test(3)</a:t>
+            </a:r>
+          </a:p>
+          <a:p>
+            <a:pPr algn="ctr"/>
+            <a:r>
+              <a:rPr lang="en-US" altLang="zh-CN" dirty="0"/>
+              <a:t>printf(4)</a:t>
+            </a:r>
+            <a:endParaRPr lang="zh-CN" altLang="en-US" dirty="0"/>
+          </a:p>
+        </p:txBody>
+      </p:sp>
+      <p:sp>
+        <p:nvSpPr>
+          <p:cNvPr id="10" name="矩形 9">
+            <a:extLst>
+              <a:ext uri="{FF2B5EF4-FFF2-40B4-BE49-F238E27FC236}">
+                <a16:creationId xmlns:a16="http://schemas.microsoft.com/office/drawing/2014/main" id="{1D7FE5FF-893F-4F74-8B6F-19B2DB397EF3}"/>
+              </a:ext>
+            </a:extLst>
+          </p:cNvPr>
+          <p:cNvSpPr/>
+          <p:nvPr/>
+        </p:nvSpPr>
+        <p:spPr>
+          <a:xfrm>
+            <a:off x="3545680" y="4739890"/>
+            <a:ext cx="2609852" cy="683757"/>
+          </a:xfrm>
+          <a:prstGeom prst="rect">
+            <a:avLst/>
+          </a:prstGeom>
+        </p:spPr>
+        <p:style>
+          <a:lnRef idx="2">
+            <a:schemeClr val="dk1"/>
+          </a:lnRef>
+          <a:fillRef idx="1">
+            <a:schemeClr val="lt1"/>
+          </a:fillRef>
+          <a:effectRef idx="0">
+            <a:schemeClr val="dk1"/>
+          </a:effectRef>
+          <a:fontRef idx="minor">
+            <a:schemeClr val="dk1"/>
+          </a:fontRef>
+        </p:style>
+        <p:txBody>
+          <a:bodyPr rtlCol="0" anchor="ctr"/>
+          <a:lstStyle/>
+          <a:p>
+            <a:pPr algn="ctr"/>
+            <a:r>
+              <a:rPr lang="en-US" altLang="zh-CN" dirty="0"/>
+              <a:t>main</a:t>
+            </a:r>
+          </a:p>
+          <a:p>
+            <a:pPr algn="ctr"/>
+            <a:r>
+              <a:rPr lang="en-US" altLang="zh-CN" dirty="0"/>
+              <a:t>test(4)</a:t>
+            </a:r>
+          </a:p>
+        </p:txBody>
+      </p:sp>
+      <p:sp>
+        <p:nvSpPr>
+          <p:cNvPr id="11" name="文本框 10">
+            <a:extLst>
+              <a:ext uri="{FF2B5EF4-FFF2-40B4-BE49-F238E27FC236}">
+                <a16:creationId xmlns:a16="http://schemas.microsoft.com/office/drawing/2014/main" id="{37A012E2-8F8E-4F4B-A5DA-1D05B0E107C0}"/>
+              </a:ext>
+            </a:extLst>
+          </p:cNvPr>
+          <p:cNvSpPr txBox="1"/>
+          <p:nvPr/>
+        </p:nvSpPr>
+        <p:spPr>
+          <a:xfrm>
+            <a:off x="1265350" y="677944"/>
+            <a:ext cx="1338828" cy="369332"/>
+          </a:xfrm>
+          <a:prstGeom prst="rect">
+            <a:avLst/>
+          </a:prstGeom>
+          <a:noFill/>
+        </p:spPr>
+        <p:txBody>
+          <a:bodyPr wrap="none" rtlCol="0">
+            <a:spAutoFit/>
+          </a:bodyPr>
+          <a:lstStyle/>
+          <a:p>
+            <a:r>
+              <a:rPr lang="zh-CN" altLang="en-US" dirty="0"/>
+              <a:t>计算机内存</a:t>
+            </a:r>
+            <a:endParaRPr lang="en-US" altLang="zh-CN" dirty="0"/>
+          </a:p>
+        </p:txBody>
+      </p:sp>
+      <p:sp>
+        <p:nvSpPr>
+          <p:cNvPr id="12" name="矩形 11">
+            <a:extLst>
+              <a:ext uri="{FF2B5EF4-FFF2-40B4-BE49-F238E27FC236}">
+                <a16:creationId xmlns:a16="http://schemas.microsoft.com/office/drawing/2014/main" id="{D7A5D6BE-80D9-41C5-9EE6-CACF6C042EA3}"/>
+              </a:ext>
+            </a:extLst>
+          </p:cNvPr>
+          <p:cNvSpPr/>
+          <p:nvPr/>
+        </p:nvSpPr>
+        <p:spPr>
+          <a:xfrm>
+            <a:off x="3555199" y="2225785"/>
+            <a:ext cx="2609852" cy="1159033"/>
+          </a:xfrm>
+          <a:prstGeom prst="rect">
+            <a:avLst/>
+          </a:prstGeom>
+        </p:spPr>
+        <p:style>
+          <a:lnRef idx="2">
+            <a:schemeClr val="dk1"/>
+          </a:lnRef>
+          <a:fillRef idx="1">
+            <a:schemeClr val="lt1"/>
+          </a:fillRef>
+          <a:effectRef idx="0">
+            <a:schemeClr val="dk1"/>
+          </a:effectRef>
+          <a:fontRef idx="minor">
+            <a:schemeClr val="dk1"/>
+          </a:fontRef>
+        </p:style>
+        <p:txBody>
+          <a:bodyPr rtlCol="0" anchor="ctr"/>
+          <a:lstStyle/>
+          <a:p>
+            <a:pPr algn="ctr"/>
+            <a:r>
+              <a:rPr lang="en-US" altLang="zh-CN" dirty="0"/>
+              <a:t>test</a:t>
+            </a:r>
+          </a:p>
+          <a:p>
+            <a:pPr algn="ctr"/>
+            <a:r>
+              <a:rPr lang="en-US" altLang="zh-CN" dirty="0"/>
+              <a:t>n=3</a:t>
+            </a:r>
+          </a:p>
+          <a:p>
+            <a:pPr algn="ctr"/>
+            <a:r>
+              <a:rPr lang="en-US" altLang="zh-CN" dirty="0"/>
+              <a:t>if(n&gt;2) test(2)</a:t>
+            </a:r>
+          </a:p>
+          <a:p>
+            <a:pPr algn="ctr"/>
+            <a:r>
+              <a:rPr lang="en-US" altLang="zh-CN" dirty="0"/>
+              <a:t>printf(3)</a:t>
+            </a:r>
+            <a:endParaRPr lang="zh-CN" altLang="en-US" dirty="0"/>
+          </a:p>
+        </p:txBody>
+      </p:sp>
+      <p:sp>
+        <p:nvSpPr>
+          <p:cNvPr id="13" name="矩形 12">
+            <a:extLst>
+              <a:ext uri="{FF2B5EF4-FFF2-40B4-BE49-F238E27FC236}">
+                <a16:creationId xmlns:a16="http://schemas.microsoft.com/office/drawing/2014/main" id="{473FAE55-46DA-4C75-81C9-9E1A66FEF2B1}"/>
+              </a:ext>
+            </a:extLst>
+          </p:cNvPr>
+          <p:cNvSpPr/>
+          <p:nvPr/>
+        </p:nvSpPr>
+        <p:spPr>
+          <a:xfrm>
+            <a:off x="3555199" y="960422"/>
+            <a:ext cx="2609852" cy="1169335"/>
+          </a:xfrm>
+          <a:prstGeom prst="rect">
+            <a:avLst/>
+          </a:prstGeom>
+        </p:spPr>
+        <p:style>
+          <a:lnRef idx="2">
+            <a:schemeClr val="dk1"/>
+          </a:lnRef>
+          <a:fillRef idx="1">
+            <a:schemeClr val="lt1"/>
+          </a:fillRef>
+          <a:effectRef idx="0">
+            <a:schemeClr val="dk1"/>
+          </a:effectRef>
+          <a:fontRef idx="minor">
+            <a:schemeClr val="dk1"/>
+          </a:fontRef>
+        </p:style>
+        <p:txBody>
+          <a:bodyPr rtlCol="0" anchor="ctr"/>
+          <a:lstStyle/>
+          <a:p>
+            <a:pPr algn="ctr"/>
+            <a:r>
+              <a:rPr lang="en-US" altLang="zh-CN" dirty="0"/>
+              <a:t>test</a:t>
+            </a:r>
+          </a:p>
+          <a:p>
+            <a:pPr algn="ctr"/>
+            <a:r>
+              <a:rPr lang="en-US" altLang="zh-CN" dirty="0"/>
+              <a:t>n=2</a:t>
+            </a:r>
+          </a:p>
+          <a:p>
+            <a:pPr algn="ctr"/>
+            <a:r>
+              <a:rPr lang="en-US" altLang="zh-CN" dirty="0"/>
+              <a:t>if(n&gt;2) test()</a:t>
+            </a:r>
+          </a:p>
+          <a:p>
+            <a:pPr algn="ctr"/>
+            <a:r>
+              <a:rPr lang="en-US" altLang="zh-CN" dirty="0"/>
+              <a:t>printf(2)</a:t>
+            </a:r>
+            <a:endParaRPr lang="zh-CN" altLang="en-US" dirty="0"/>
+          </a:p>
+        </p:txBody>
+      </p:sp>
+      <p:sp>
+        <p:nvSpPr>
+          <p:cNvPr id="15" name="文本框 14">
+            <a:extLst>
+              <a:ext uri="{FF2B5EF4-FFF2-40B4-BE49-F238E27FC236}">
+                <a16:creationId xmlns:a16="http://schemas.microsoft.com/office/drawing/2014/main" id="{0C9A2D30-59CA-48AD-B3C3-5652C1FF1EAC}"/>
+              </a:ext>
+            </a:extLst>
+          </p:cNvPr>
+          <p:cNvSpPr txBox="1"/>
+          <p:nvPr/>
+        </p:nvSpPr>
+        <p:spPr>
+          <a:xfrm>
+            <a:off x="8204313" y="5158147"/>
+            <a:ext cx="933269" cy="369332"/>
+          </a:xfrm>
+          <a:prstGeom prst="rect">
+            <a:avLst/>
+          </a:prstGeom>
+          <a:noFill/>
+        </p:spPr>
+        <p:txBody>
+          <a:bodyPr wrap="none" rtlCol="0">
+            <a:spAutoFit/>
+          </a:bodyPr>
+          <a:lstStyle/>
+          <a:p>
+            <a:r>
+              <a:rPr lang="en-US" altLang="zh-CN" dirty="0"/>
+              <a:t>n=2,3,4</a:t>
+            </a:r>
+          </a:p>
+        </p:txBody>
+      </p:sp>
+      <p:cxnSp>
+        <p:nvCxnSpPr>
+          <p:cNvPr id="17" name="直接箭头连接符 16">
+            <a:extLst>
+              <a:ext uri="{FF2B5EF4-FFF2-40B4-BE49-F238E27FC236}">
+                <a16:creationId xmlns:a16="http://schemas.microsoft.com/office/drawing/2014/main" id="{C5F830E2-4A61-4C1A-BD13-BA3E14C67368}"/>
+              </a:ext>
+            </a:extLst>
+          </p:cNvPr>
+          <p:cNvCxnSpPr/>
+          <p:nvPr/>
+        </p:nvCxnSpPr>
+        <p:spPr>
+          <a:xfrm flipV="1">
+            <a:off x="3137647" y="834034"/>
+            <a:ext cx="0" cy="4693445"/>
+          </a:xfrm>
+          <a:prstGeom prst="straightConnector1">
+            <a:avLst/>
+          </a:prstGeom>
+          <a:ln>
+            <a:tailEnd type="triangle"/>
+          </a:ln>
+        </p:spPr>
+        <p:style>
+          <a:lnRef idx="1">
+            <a:schemeClr val="dk1"/>
+          </a:lnRef>
+          <a:fillRef idx="0">
+            <a:schemeClr val="dk1"/>
+          </a:fillRef>
+          <a:effectRef idx="0">
+            <a:schemeClr val="dk1"/>
+          </a:effectRef>
+          <a:fontRef idx="minor">
+            <a:schemeClr val="tx1"/>
+          </a:fontRef>
+        </p:style>
+      </p:cxnSp>
+      <p:cxnSp>
+        <p:nvCxnSpPr>
+          <p:cNvPr id="18" name="直接箭头连接符 17">
+            <a:extLst>
+              <a:ext uri="{FF2B5EF4-FFF2-40B4-BE49-F238E27FC236}">
+                <a16:creationId xmlns:a16="http://schemas.microsoft.com/office/drawing/2014/main" id="{7C566693-FF9C-4B9B-8DAD-4C0C1407994C}"/>
+              </a:ext>
+            </a:extLst>
+          </p:cNvPr>
+          <p:cNvCxnSpPr>
+            <a:cxnSpLocks/>
+          </p:cNvCxnSpPr>
+          <p:nvPr/>
+        </p:nvCxnSpPr>
+        <p:spPr>
+          <a:xfrm>
+            <a:off x="6669460" y="862610"/>
+            <a:ext cx="0" cy="4664869"/>
+          </a:xfrm>
+          <a:prstGeom prst="straightConnector1">
+            <a:avLst/>
+          </a:prstGeom>
+          <a:ln>
+            <a:tailEnd type="triangle"/>
+          </a:ln>
+        </p:spPr>
+        <p:style>
+          <a:lnRef idx="1">
+            <a:schemeClr val="dk1"/>
+          </a:lnRef>
+          <a:fillRef idx="0">
+            <a:schemeClr val="dk1"/>
+          </a:fillRef>
+          <a:effectRef idx="0">
+            <a:schemeClr val="dk1"/>
+          </a:effectRef>
+          <a:fontRef idx="minor">
+            <a:schemeClr val="tx1"/>
+          </a:fontRef>
+        </p:style>
+      </p:cxnSp>
+      <p:sp>
+        <p:nvSpPr>
+          <p:cNvPr id="22" name="文本框 21">
+            <a:extLst>
+              <a:ext uri="{FF2B5EF4-FFF2-40B4-BE49-F238E27FC236}">
+                <a16:creationId xmlns:a16="http://schemas.microsoft.com/office/drawing/2014/main" id="{FD3AA254-5B3F-4799-A0C5-2CA1ED7ADBD6}"/>
+              </a:ext>
+            </a:extLst>
+          </p:cNvPr>
+          <p:cNvSpPr txBox="1"/>
+          <p:nvPr/>
+        </p:nvSpPr>
+        <p:spPr>
+          <a:xfrm>
+            <a:off x="2722149" y="2476362"/>
+            <a:ext cx="415498" cy="646331"/>
+          </a:xfrm>
+          <a:prstGeom prst="rect">
+            <a:avLst/>
+          </a:prstGeom>
+          <a:noFill/>
+        </p:spPr>
+        <p:txBody>
+          <a:bodyPr wrap="none" rtlCol="0">
+            <a:spAutoFit/>
+          </a:bodyPr>
+          <a:lstStyle/>
+          <a:p>
+            <a:r>
+              <a:rPr lang="zh-CN" altLang="en-US" dirty="0"/>
+              <a:t>进</a:t>
+            </a:r>
+            <a:endParaRPr lang="en-US" altLang="zh-CN" dirty="0"/>
+          </a:p>
+          <a:p>
+            <a:r>
+              <a:rPr lang="zh-CN" altLang="en-US" dirty="0"/>
+              <a:t>入</a:t>
+            </a:r>
+            <a:endParaRPr lang="en-US" altLang="zh-CN" dirty="0"/>
+          </a:p>
+        </p:txBody>
+      </p:sp>
+      <p:sp>
+        <p:nvSpPr>
+          <p:cNvPr id="23" name="文本框 22">
+            <a:extLst>
+              <a:ext uri="{FF2B5EF4-FFF2-40B4-BE49-F238E27FC236}">
+                <a16:creationId xmlns:a16="http://schemas.microsoft.com/office/drawing/2014/main" id="{6E157AB1-0E7B-48D1-BCAC-482F8E7121F2}"/>
+              </a:ext>
+            </a:extLst>
+          </p:cNvPr>
+          <p:cNvSpPr txBox="1"/>
+          <p:nvPr/>
+        </p:nvSpPr>
+        <p:spPr>
+          <a:xfrm>
+            <a:off x="6675576" y="2476361"/>
+            <a:ext cx="415498" cy="646331"/>
+          </a:xfrm>
+          <a:prstGeom prst="rect">
+            <a:avLst/>
+          </a:prstGeom>
+          <a:noFill/>
+        </p:spPr>
+        <p:txBody>
+          <a:bodyPr wrap="none" rtlCol="0">
+            <a:spAutoFit/>
+          </a:bodyPr>
+          <a:lstStyle/>
+          <a:p>
+            <a:r>
+              <a:rPr lang="zh-CN" altLang="en-US" dirty="0"/>
+              <a:t>弹</a:t>
+            </a:r>
+            <a:endParaRPr lang="en-US" altLang="zh-CN" dirty="0"/>
+          </a:p>
+          <a:p>
+            <a:r>
+              <a:rPr lang="zh-CN" altLang="en-US" dirty="0"/>
+              <a:t>出</a:t>
+            </a:r>
+            <a:endParaRPr lang="en-US" altLang="zh-CN" dirty="0"/>
+          </a:p>
+        </p:txBody>
+      </p:sp>
+      <p:cxnSp>
+        <p:nvCxnSpPr>
+          <p:cNvPr id="25" name="直接连接符 24">
+            <a:extLst>
+              <a:ext uri="{FF2B5EF4-FFF2-40B4-BE49-F238E27FC236}">
+                <a16:creationId xmlns:a16="http://schemas.microsoft.com/office/drawing/2014/main" id="{D7C7EDF6-CAAE-4642-BD2D-33128C4EFA85}"/>
+              </a:ext>
+            </a:extLst>
+          </p:cNvPr>
+          <p:cNvCxnSpPr>
+            <a:cxnSpLocks/>
+          </p:cNvCxnSpPr>
+          <p:nvPr/>
+        </p:nvCxnSpPr>
+        <p:spPr>
+          <a:xfrm>
+            <a:off x="5271246" y="1993840"/>
+            <a:ext cx="304801" cy="0"/>
+          </a:xfrm>
+          <a:prstGeom prst="line">
+            <a:avLst/>
+          </a:prstGeom>
+        </p:spPr>
+        <p:style>
+          <a:lnRef idx="1">
+            <a:schemeClr val="dk1"/>
+          </a:lnRef>
+          <a:fillRef idx="0">
+            <a:schemeClr val="dk1"/>
+          </a:fillRef>
+          <a:effectRef idx="0">
+            <a:schemeClr val="dk1"/>
+          </a:effectRef>
+          <a:fontRef idx="minor">
+            <a:schemeClr val="tx1"/>
+          </a:fontRef>
+        </p:style>
+      </p:cxnSp>
+      <p:cxnSp>
+        <p:nvCxnSpPr>
+          <p:cNvPr id="29" name="连接符: 肘形 28">
+            <a:extLst>
+              <a:ext uri="{FF2B5EF4-FFF2-40B4-BE49-F238E27FC236}">
+                <a16:creationId xmlns:a16="http://schemas.microsoft.com/office/drawing/2014/main" id="{52C671AF-9A99-4697-835E-FD68E509378E}"/>
+              </a:ext>
+            </a:extLst>
+          </p:cNvPr>
+          <p:cNvCxnSpPr>
+            <a:cxnSpLocks/>
+          </p:cNvCxnSpPr>
+          <p:nvPr/>
+        </p:nvCxnSpPr>
+        <p:spPr>
+          <a:xfrm rot="5400000">
+            <a:off x="4776541" y="2488545"/>
+            <a:ext cx="1281959" cy="292548"/>
+          </a:xfrm>
+          <a:prstGeom prst="bentConnector3">
+            <a:avLst>
+              <a:gd name="adj1" fmla="val 100349"/>
+            </a:avLst>
+          </a:prstGeom>
+          <a:ln>
+            <a:tailEnd type="triangle"/>
+          </a:ln>
+        </p:spPr>
+        <p:style>
+          <a:lnRef idx="1">
+            <a:schemeClr val="dk1"/>
+          </a:lnRef>
+          <a:fillRef idx="0">
+            <a:schemeClr val="dk1"/>
+          </a:fillRef>
+          <a:effectRef idx="0">
+            <a:schemeClr val="dk1"/>
+          </a:effectRef>
+          <a:fontRef idx="minor">
+            <a:schemeClr val="tx1"/>
+          </a:fontRef>
+        </p:style>
+      </p:cxnSp>
+      <p:cxnSp>
+        <p:nvCxnSpPr>
+          <p:cNvPr id="31" name="直接连接符 30">
+            <a:extLst>
+              <a:ext uri="{FF2B5EF4-FFF2-40B4-BE49-F238E27FC236}">
+                <a16:creationId xmlns:a16="http://schemas.microsoft.com/office/drawing/2014/main" id="{586EC1E2-C235-44A9-A944-9E56613C287F}"/>
+              </a:ext>
+            </a:extLst>
+          </p:cNvPr>
+          <p:cNvCxnSpPr>
+            <a:cxnSpLocks/>
+          </p:cNvCxnSpPr>
+          <p:nvPr/>
+        </p:nvCxnSpPr>
+        <p:spPr>
+          <a:xfrm>
+            <a:off x="5396748" y="3284763"/>
+            <a:ext cx="319439" cy="0"/>
+          </a:xfrm>
+          <a:prstGeom prst="line">
+            <a:avLst/>
+          </a:prstGeom>
+        </p:spPr>
+        <p:style>
+          <a:lnRef idx="1">
+            <a:schemeClr val="dk1"/>
+          </a:lnRef>
+          <a:fillRef idx="0">
+            <a:schemeClr val="dk1"/>
+          </a:fillRef>
+          <a:effectRef idx="0">
+            <a:schemeClr val="dk1"/>
+          </a:effectRef>
+          <a:fontRef idx="minor">
+            <a:schemeClr val="tx1"/>
+          </a:fontRef>
+        </p:style>
+      </p:cxnSp>
+      <p:cxnSp>
+        <p:nvCxnSpPr>
+          <p:cNvPr id="32" name="连接符: 肘形 31">
+            <a:extLst>
+              <a:ext uri="{FF2B5EF4-FFF2-40B4-BE49-F238E27FC236}">
+                <a16:creationId xmlns:a16="http://schemas.microsoft.com/office/drawing/2014/main" id="{4E94ECF1-95CC-4A5C-BF61-730270D562FF}"/>
+              </a:ext>
+            </a:extLst>
+          </p:cNvPr>
+          <p:cNvCxnSpPr>
+            <a:cxnSpLocks/>
+          </p:cNvCxnSpPr>
+          <p:nvPr/>
+        </p:nvCxnSpPr>
+        <p:spPr>
+          <a:xfrm rot="5400000">
+            <a:off x="4914471" y="3713178"/>
+            <a:ext cx="1221169" cy="364338"/>
+          </a:xfrm>
+          <a:prstGeom prst="bentConnector3">
+            <a:avLst>
+              <a:gd name="adj1" fmla="val 99919"/>
+            </a:avLst>
+          </a:prstGeom>
+          <a:ln>
+            <a:tailEnd type="triangle"/>
+          </a:ln>
+        </p:spPr>
+        <p:style>
+          <a:lnRef idx="1">
+            <a:schemeClr val="dk1"/>
+          </a:lnRef>
+          <a:fillRef idx="0">
+            <a:schemeClr val="dk1"/>
+          </a:fillRef>
+          <a:effectRef idx="0">
+            <a:schemeClr val="dk1"/>
+          </a:effectRef>
+          <a:fontRef idx="minor">
+            <a:schemeClr val="tx1"/>
+          </a:fontRef>
+        </p:style>
+      </p:cxnSp>
+      <p:cxnSp>
+        <p:nvCxnSpPr>
+          <p:cNvPr id="33" name="直接连接符 32">
+            <a:extLst>
+              <a:ext uri="{FF2B5EF4-FFF2-40B4-BE49-F238E27FC236}">
+                <a16:creationId xmlns:a16="http://schemas.microsoft.com/office/drawing/2014/main" id="{51497F3E-AC64-4C05-AA28-AEF6AE3D3A47}"/>
+              </a:ext>
+            </a:extLst>
+          </p:cNvPr>
+          <p:cNvCxnSpPr/>
+          <p:nvPr/>
+        </p:nvCxnSpPr>
+        <p:spPr>
+          <a:xfrm>
+            <a:off x="5665694" y="4496967"/>
+            <a:ext cx="430306" cy="0"/>
+          </a:xfrm>
+          <a:prstGeom prst="line">
+            <a:avLst/>
+          </a:prstGeom>
+        </p:spPr>
+        <p:style>
+          <a:lnRef idx="1">
+            <a:schemeClr val="dk1"/>
+          </a:lnRef>
+          <a:fillRef idx="0">
+            <a:schemeClr val="dk1"/>
+          </a:fillRef>
+          <a:effectRef idx="0">
+            <a:schemeClr val="dk1"/>
+          </a:effectRef>
+          <a:fontRef idx="minor">
+            <a:schemeClr val="tx1"/>
+          </a:fontRef>
+        </p:style>
+      </p:cxnSp>
+      <p:cxnSp>
+        <p:nvCxnSpPr>
+          <p:cNvPr id="34" name="连接符: 肘形 33">
+            <a:extLst>
+              <a:ext uri="{FF2B5EF4-FFF2-40B4-BE49-F238E27FC236}">
+                <a16:creationId xmlns:a16="http://schemas.microsoft.com/office/drawing/2014/main" id="{3A317A6C-A530-4CA7-9C51-AF7B14D99CD3}"/>
+              </a:ext>
+            </a:extLst>
+          </p:cNvPr>
+          <p:cNvCxnSpPr>
+            <a:cxnSpLocks/>
+          </p:cNvCxnSpPr>
+          <p:nvPr/>
+        </p:nvCxnSpPr>
+        <p:spPr>
+          <a:xfrm rot="5400000">
+            <a:off x="5254721" y="4496012"/>
+            <a:ext cx="863479" cy="830427"/>
+          </a:xfrm>
+          <a:prstGeom prst="bentConnector3">
+            <a:avLst>
+              <a:gd name="adj1" fmla="val 99834"/>
+            </a:avLst>
+          </a:prstGeom>
+          <a:ln>
+            <a:tailEnd type="triangle"/>
+          </a:ln>
+        </p:spPr>
+        <p:style>
+          <a:lnRef idx="1">
+            <a:schemeClr val="dk1"/>
+          </a:lnRef>
+          <a:fillRef idx="0">
+            <a:schemeClr val="dk1"/>
+          </a:fillRef>
+          <a:effectRef idx="0">
+            <a:schemeClr val="dk1"/>
+          </a:effectRef>
+          <a:fontRef idx="minor">
+            <a:schemeClr val="tx1"/>
+          </a:fontRef>
+        </p:style>
+      </p:cxnSp>
+      <p:cxnSp>
+        <p:nvCxnSpPr>
+          <p:cNvPr id="47" name="直接箭头连接符 46">
+            <a:extLst>
+              <a:ext uri="{FF2B5EF4-FFF2-40B4-BE49-F238E27FC236}">
+                <a16:creationId xmlns:a16="http://schemas.microsoft.com/office/drawing/2014/main" id="{88F0BCC6-BCCC-4305-BDDA-CAFE54DC4523}"/>
+              </a:ext>
+            </a:extLst>
+          </p:cNvPr>
+          <p:cNvCxnSpPr>
+            <a:cxnSpLocks/>
+          </p:cNvCxnSpPr>
+          <p:nvPr/>
+        </p:nvCxnSpPr>
+        <p:spPr>
+          <a:xfrm flipH="1">
+            <a:off x="4849906" y="5360892"/>
+            <a:ext cx="700" cy="376518"/>
+          </a:xfrm>
+          <a:prstGeom prst="straightConnector1">
+            <a:avLst/>
+          </a:prstGeom>
+          <a:ln>
+            <a:tailEnd type="triangle"/>
+          </a:ln>
+        </p:spPr>
+        <p:style>
+          <a:lnRef idx="1">
+            <a:schemeClr val="dk1"/>
+          </a:lnRef>
+          <a:fillRef idx="0">
+            <a:schemeClr val="dk1"/>
+          </a:fillRef>
+          <a:effectRef idx="0">
+            <a:schemeClr val="dk1"/>
+          </a:effectRef>
+          <a:fontRef idx="minor">
+            <a:schemeClr val="tx1"/>
+          </a:fontRef>
+        </p:style>
+      </p:cxnSp>
+    </p:spTree>
+    <p:extLst>
+      <p:ext uri="{BB962C8B-B14F-4D97-AF65-F5344CB8AC3E}">
+        <p14:creationId xmlns:p14="http://schemas.microsoft.com/office/powerpoint/2010/main" val="1944612202"/>
+      </p:ext>
+    </p:extLst>
+  </p:cSld>
+  <p:clrMapOvr>
+    <a:masterClrMapping/>
+  </p:clrMapOvr>
+</p:sld>
+</file>
+
+<file path=ppt/slides/slide43.xml><?xml version="1.0" encoding="utf-8"?>
+<p:sld xmlns:a="http://schemas.openxmlformats.org/drawingml/2006/main" xmlns:r="http://schemas.openxmlformats.org/officeDocument/2006/relationships" xmlns:p="http://schemas.openxmlformats.org/presentationml/2006/main">
+  <p:cSld>
+    <p:spTree>
+      <p:nvGrpSpPr>
+        <p:cNvPr id="1" name=""/>
+        <p:cNvGrpSpPr/>
+        <p:nvPr/>
+      </p:nvGrpSpPr>
+      <p:grpSpPr>
+        <a:xfrm>
+          <a:off x="0" y="0"/>
+          <a:ext cx="0" cy="0"/>
+          <a:chOff x="0" y="0"/>
+          <a:chExt cx="0" cy="0"/>
+        </a:xfrm>
+      </p:grpSpPr>
+      <p:sp>
+        <p:nvSpPr>
+          <p:cNvPr id="4" name="矩形 3">
+            <a:extLst>
+              <a:ext uri="{FF2B5EF4-FFF2-40B4-BE49-F238E27FC236}">
+                <a16:creationId xmlns:a16="http://schemas.microsoft.com/office/drawing/2014/main" id="{BB1D67B7-D6C8-4DC7-A3B1-ADD6AF12849A}"/>
+              </a:ext>
+            </a:extLst>
+          </p:cNvPr>
+          <p:cNvSpPr/>
+          <p:nvPr/>
+        </p:nvSpPr>
+        <p:spPr>
+          <a:xfrm>
+            <a:off x="1265350" y="654065"/>
+            <a:ext cx="8515350" cy="5243513"/>
+          </a:xfrm>
+          <a:prstGeom prst="rect">
+            <a:avLst/>
+          </a:prstGeom>
+        </p:spPr>
+        <p:style>
+          <a:lnRef idx="2">
+            <a:schemeClr val="dk1"/>
+          </a:lnRef>
+          <a:fillRef idx="1">
+            <a:schemeClr val="lt1"/>
+          </a:fillRef>
+          <a:effectRef idx="0">
+            <a:schemeClr val="dk1"/>
+          </a:effectRef>
+          <a:fontRef idx="minor">
+            <a:schemeClr val="dk1"/>
+          </a:fontRef>
+        </p:style>
+        <p:txBody>
+          <a:bodyPr rtlCol="0" anchor="ctr"/>
+          <a:lstStyle/>
+          <a:p>
+            <a:pPr algn="ctr"/>
+            <a:endParaRPr lang="zh-CN" altLang="en-US"/>
+          </a:p>
+        </p:txBody>
+      </p:sp>
+      <p:sp>
+        <p:nvSpPr>
+          <p:cNvPr id="5" name="矩形 4">
+            <a:extLst>
+              <a:ext uri="{FF2B5EF4-FFF2-40B4-BE49-F238E27FC236}">
+                <a16:creationId xmlns:a16="http://schemas.microsoft.com/office/drawing/2014/main" id="{82EF5445-2412-4A97-877A-7A4A13ED8ECC}"/>
+              </a:ext>
+            </a:extLst>
+          </p:cNvPr>
+          <p:cNvSpPr/>
+          <p:nvPr/>
+        </p:nvSpPr>
+        <p:spPr>
+          <a:xfrm>
+            <a:off x="3357561" y="834034"/>
+            <a:ext cx="3114675" cy="4693445"/>
+          </a:xfrm>
+          <a:prstGeom prst="rect">
+            <a:avLst/>
+          </a:prstGeom>
+        </p:spPr>
+        <p:style>
+          <a:lnRef idx="2">
+            <a:schemeClr val="dk1"/>
+          </a:lnRef>
+          <a:fillRef idx="1">
+            <a:schemeClr val="lt1"/>
+          </a:fillRef>
+          <a:effectRef idx="0">
+            <a:schemeClr val="dk1"/>
+          </a:effectRef>
+          <a:fontRef idx="minor">
+            <a:schemeClr val="dk1"/>
+          </a:fontRef>
+        </p:style>
+        <p:txBody>
+          <a:bodyPr rtlCol="0" anchor="ctr"/>
+          <a:lstStyle/>
+          <a:p>
+            <a:pPr algn="ctr"/>
+            <a:endParaRPr lang="zh-CN" altLang="en-US"/>
+          </a:p>
+        </p:txBody>
+      </p:sp>
+      <p:sp>
+        <p:nvSpPr>
+          <p:cNvPr id="13" name="矩形 12">
+            <a:extLst>
+              <a:ext uri="{FF2B5EF4-FFF2-40B4-BE49-F238E27FC236}">
+                <a16:creationId xmlns:a16="http://schemas.microsoft.com/office/drawing/2014/main" id="{473FAE55-46DA-4C75-81C9-9E1A66FEF2B1}"/>
+              </a:ext>
+            </a:extLst>
+          </p:cNvPr>
+          <p:cNvSpPr/>
+          <p:nvPr/>
+        </p:nvSpPr>
+        <p:spPr>
+          <a:xfrm>
+            <a:off x="3555199" y="1292118"/>
+            <a:ext cx="2609852" cy="895263"/>
+          </a:xfrm>
+          <a:prstGeom prst="rect">
+            <a:avLst/>
+          </a:prstGeom>
+        </p:spPr>
+        <p:style>
+          <a:lnRef idx="2">
+            <a:schemeClr val="dk1"/>
+          </a:lnRef>
+          <a:fillRef idx="1">
+            <a:schemeClr val="lt1"/>
+          </a:fillRef>
+          <a:effectRef idx="0">
+            <a:schemeClr val="dk1"/>
+          </a:effectRef>
+          <a:fontRef idx="minor">
+            <a:schemeClr val="dk1"/>
+          </a:fontRef>
+        </p:style>
+        <p:txBody>
+          <a:bodyPr rtlCol="0" anchor="ctr"/>
+          <a:lstStyle/>
+          <a:p>
+            <a:pPr algn="ctr"/>
+            <a:r>
+              <a:rPr lang="en-US" altLang="zh-CN" dirty="0"/>
+              <a:t>test</a:t>
+            </a:r>
+          </a:p>
+          <a:p>
+            <a:pPr algn="ctr"/>
+            <a:r>
+              <a:rPr lang="en-US" altLang="zh-CN" dirty="0"/>
+              <a:t>n=2</a:t>
+            </a:r>
+          </a:p>
+          <a:p>
+            <a:pPr algn="ctr"/>
+            <a:r>
+              <a:rPr lang="en-US" altLang="zh-CN" dirty="0"/>
+              <a:t>else printf(2)</a:t>
+            </a:r>
+          </a:p>
+        </p:txBody>
+      </p:sp>
+      <p:sp>
+        <p:nvSpPr>
+          <p:cNvPr id="6" name="矩形 5">
+            <a:extLst>
+              <a:ext uri="{FF2B5EF4-FFF2-40B4-BE49-F238E27FC236}">
+                <a16:creationId xmlns:a16="http://schemas.microsoft.com/office/drawing/2014/main" id="{6647E0EC-5A93-46CB-94BA-251A646FA8B9}"/>
+              </a:ext>
+            </a:extLst>
+          </p:cNvPr>
+          <p:cNvSpPr/>
+          <p:nvPr/>
+        </p:nvSpPr>
+        <p:spPr>
+          <a:xfrm>
+            <a:off x="3545679" y="3607471"/>
+            <a:ext cx="2609852" cy="883841"/>
+          </a:xfrm>
+          <a:prstGeom prst="rect">
+            <a:avLst/>
+          </a:prstGeom>
+        </p:spPr>
+        <p:style>
+          <a:lnRef idx="2">
+            <a:schemeClr val="dk1"/>
+          </a:lnRef>
+          <a:fillRef idx="1">
+            <a:schemeClr val="lt1"/>
+          </a:fillRef>
+          <a:effectRef idx="0">
+            <a:schemeClr val="dk1"/>
+          </a:effectRef>
+          <a:fontRef idx="minor">
+            <a:schemeClr val="dk1"/>
+          </a:fontRef>
+        </p:style>
+        <p:txBody>
+          <a:bodyPr rtlCol="0" anchor="ctr"/>
+          <a:lstStyle/>
+          <a:p>
+            <a:pPr algn="ctr"/>
+            <a:r>
+              <a:rPr lang="en-US" altLang="zh-CN" dirty="0"/>
+              <a:t>test</a:t>
+            </a:r>
+          </a:p>
+          <a:p>
+            <a:pPr algn="ctr"/>
+            <a:r>
+              <a:rPr lang="en-US" altLang="zh-CN" dirty="0"/>
+              <a:t>n=4</a:t>
+            </a:r>
+          </a:p>
+          <a:p>
+            <a:pPr algn="ctr"/>
+            <a:r>
+              <a:rPr lang="en-US" altLang="zh-CN" dirty="0"/>
+              <a:t>if(n&gt;2) test(3)</a:t>
+            </a:r>
+          </a:p>
+        </p:txBody>
+      </p:sp>
+      <p:sp>
+        <p:nvSpPr>
+          <p:cNvPr id="10" name="矩形 9">
+            <a:extLst>
+              <a:ext uri="{FF2B5EF4-FFF2-40B4-BE49-F238E27FC236}">
+                <a16:creationId xmlns:a16="http://schemas.microsoft.com/office/drawing/2014/main" id="{1D7FE5FF-893F-4F74-8B6F-19B2DB397EF3}"/>
+              </a:ext>
+            </a:extLst>
+          </p:cNvPr>
+          <p:cNvSpPr/>
+          <p:nvPr/>
+        </p:nvSpPr>
+        <p:spPr>
+          <a:xfrm>
+            <a:off x="3545680" y="4739890"/>
+            <a:ext cx="2609852" cy="683757"/>
+          </a:xfrm>
+          <a:prstGeom prst="rect">
+            <a:avLst/>
+          </a:prstGeom>
+        </p:spPr>
+        <p:style>
+          <a:lnRef idx="2">
+            <a:schemeClr val="dk1"/>
+          </a:lnRef>
+          <a:fillRef idx="1">
+            <a:schemeClr val="lt1"/>
+          </a:fillRef>
+          <a:effectRef idx="0">
+            <a:schemeClr val="dk1"/>
+          </a:effectRef>
+          <a:fontRef idx="minor">
+            <a:schemeClr val="dk1"/>
+          </a:fontRef>
+        </p:style>
+        <p:txBody>
+          <a:bodyPr rtlCol="0" anchor="ctr"/>
+          <a:lstStyle/>
+          <a:p>
+            <a:pPr algn="ctr"/>
+            <a:r>
+              <a:rPr lang="en-US" altLang="zh-CN" dirty="0"/>
+              <a:t>main</a:t>
+            </a:r>
+          </a:p>
+          <a:p>
+            <a:pPr algn="ctr"/>
+            <a:r>
+              <a:rPr lang="en-US" altLang="zh-CN" dirty="0"/>
+              <a:t>test(4)</a:t>
+            </a:r>
+          </a:p>
+        </p:txBody>
+      </p:sp>
+      <p:sp>
+        <p:nvSpPr>
+          <p:cNvPr id="11" name="文本框 10">
+            <a:extLst>
+              <a:ext uri="{FF2B5EF4-FFF2-40B4-BE49-F238E27FC236}">
+                <a16:creationId xmlns:a16="http://schemas.microsoft.com/office/drawing/2014/main" id="{37A012E2-8F8E-4F4B-A5DA-1D05B0E107C0}"/>
+              </a:ext>
+            </a:extLst>
+          </p:cNvPr>
+          <p:cNvSpPr txBox="1"/>
+          <p:nvPr/>
+        </p:nvSpPr>
+        <p:spPr>
+          <a:xfrm>
+            <a:off x="1265350" y="677944"/>
+            <a:ext cx="1338828" cy="369332"/>
+          </a:xfrm>
+          <a:prstGeom prst="rect">
+            <a:avLst/>
+          </a:prstGeom>
+          <a:noFill/>
+        </p:spPr>
+        <p:txBody>
+          <a:bodyPr wrap="none" rtlCol="0">
+            <a:spAutoFit/>
+          </a:bodyPr>
+          <a:lstStyle/>
+          <a:p>
+            <a:r>
+              <a:rPr lang="zh-CN" altLang="en-US" dirty="0"/>
+              <a:t>计算机内存</a:t>
+            </a:r>
+            <a:endParaRPr lang="en-US" altLang="zh-CN" dirty="0"/>
+          </a:p>
+        </p:txBody>
+      </p:sp>
+      <p:sp>
+        <p:nvSpPr>
+          <p:cNvPr id="12" name="矩形 11">
+            <a:extLst>
+              <a:ext uri="{FF2B5EF4-FFF2-40B4-BE49-F238E27FC236}">
+                <a16:creationId xmlns:a16="http://schemas.microsoft.com/office/drawing/2014/main" id="{D7A5D6BE-80D9-41C5-9EE6-CACF6C042EA3}"/>
+              </a:ext>
+            </a:extLst>
+          </p:cNvPr>
+          <p:cNvSpPr/>
+          <p:nvPr/>
+        </p:nvSpPr>
+        <p:spPr>
+          <a:xfrm>
+            <a:off x="3555199" y="2467832"/>
+            <a:ext cx="2609852" cy="895263"/>
+          </a:xfrm>
+          <a:prstGeom prst="rect">
+            <a:avLst/>
+          </a:prstGeom>
+        </p:spPr>
+        <p:style>
+          <a:lnRef idx="2">
+            <a:schemeClr val="dk1"/>
+          </a:lnRef>
+          <a:fillRef idx="1">
+            <a:schemeClr val="lt1"/>
+          </a:fillRef>
+          <a:effectRef idx="0">
+            <a:schemeClr val="dk1"/>
+          </a:effectRef>
+          <a:fontRef idx="minor">
+            <a:schemeClr val="dk1"/>
+          </a:fontRef>
+        </p:style>
+        <p:txBody>
+          <a:bodyPr rtlCol="0" anchor="ctr"/>
+          <a:lstStyle/>
+          <a:p>
+            <a:pPr algn="ctr"/>
+            <a:r>
+              <a:rPr lang="en-US" altLang="zh-CN" dirty="0"/>
+              <a:t>test</a:t>
+            </a:r>
+          </a:p>
+          <a:p>
+            <a:pPr algn="ctr"/>
+            <a:r>
+              <a:rPr lang="en-US" altLang="zh-CN" dirty="0"/>
+              <a:t>n=3</a:t>
+            </a:r>
+          </a:p>
+          <a:p>
+            <a:pPr algn="ctr"/>
+            <a:r>
+              <a:rPr lang="en-US" altLang="zh-CN" dirty="0"/>
+              <a:t>if(n&gt;2) test(2)</a:t>
+            </a:r>
+          </a:p>
+        </p:txBody>
+      </p:sp>
+      <p:sp>
+        <p:nvSpPr>
+          <p:cNvPr id="15" name="文本框 14">
+            <a:extLst>
+              <a:ext uri="{FF2B5EF4-FFF2-40B4-BE49-F238E27FC236}">
+                <a16:creationId xmlns:a16="http://schemas.microsoft.com/office/drawing/2014/main" id="{0C9A2D30-59CA-48AD-B3C3-5652C1FF1EAC}"/>
+              </a:ext>
+            </a:extLst>
+          </p:cNvPr>
+          <p:cNvSpPr txBox="1"/>
+          <p:nvPr/>
+        </p:nvSpPr>
+        <p:spPr>
+          <a:xfrm>
+            <a:off x="8204313" y="5158147"/>
+            <a:ext cx="587020" cy="369332"/>
+          </a:xfrm>
+          <a:prstGeom prst="rect">
+            <a:avLst/>
+          </a:prstGeom>
+          <a:noFill/>
+        </p:spPr>
+        <p:txBody>
+          <a:bodyPr wrap="none" rtlCol="0">
+            <a:spAutoFit/>
+          </a:bodyPr>
+          <a:lstStyle/>
+          <a:p>
+            <a:r>
+              <a:rPr lang="en-US" altLang="zh-CN" dirty="0"/>
+              <a:t>n=2</a:t>
+            </a:r>
+          </a:p>
+        </p:txBody>
+      </p:sp>
+      <p:cxnSp>
+        <p:nvCxnSpPr>
+          <p:cNvPr id="17" name="直接箭头连接符 16">
+            <a:extLst>
+              <a:ext uri="{FF2B5EF4-FFF2-40B4-BE49-F238E27FC236}">
+                <a16:creationId xmlns:a16="http://schemas.microsoft.com/office/drawing/2014/main" id="{C5F830E2-4A61-4C1A-BD13-BA3E14C67368}"/>
+              </a:ext>
+            </a:extLst>
+          </p:cNvPr>
+          <p:cNvCxnSpPr/>
+          <p:nvPr/>
+        </p:nvCxnSpPr>
+        <p:spPr>
+          <a:xfrm flipV="1">
+            <a:off x="3137647" y="834034"/>
+            <a:ext cx="0" cy="4693445"/>
+          </a:xfrm>
+          <a:prstGeom prst="straightConnector1">
+            <a:avLst/>
+          </a:prstGeom>
+          <a:ln>
+            <a:tailEnd type="triangle"/>
+          </a:ln>
+        </p:spPr>
+        <p:style>
+          <a:lnRef idx="1">
+            <a:schemeClr val="dk1"/>
+          </a:lnRef>
+          <a:fillRef idx="0">
+            <a:schemeClr val="dk1"/>
+          </a:fillRef>
+          <a:effectRef idx="0">
+            <a:schemeClr val="dk1"/>
+          </a:effectRef>
+          <a:fontRef idx="minor">
+            <a:schemeClr val="tx1"/>
+          </a:fontRef>
+        </p:style>
+      </p:cxnSp>
+      <p:cxnSp>
+        <p:nvCxnSpPr>
+          <p:cNvPr id="18" name="直接箭头连接符 17">
+            <a:extLst>
+              <a:ext uri="{FF2B5EF4-FFF2-40B4-BE49-F238E27FC236}">
+                <a16:creationId xmlns:a16="http://schemas.microsoft.com/office/drawing/2014/main" id="{7C566693-FF9C-4B9B-8DAD-4C0C1407994C}"/>
+              </a:ext>
+            </a:extLst>
+          </p:cNvPr>
+          <p:cNvCxnSpPr>
+            <a:cxnSpLocks/>
+          </p:cNvCxnSpPr>
+          <p:nvPr/>
+        </p:nvCxnSpPr>
+        <p:spPr>
+          <a:xfrm>
+            <a:off x="6669460" y="862610"/>
+            <a:ext cx="0" cy="4664869"/>
+          </a:xfrm>
+          <a:prstGeom prst="straightConnector1">
+            <a:avLst/>
+          </a:prstGeom>
+          <a:ln>
+            <a:tailEnd type="triangle"/>
+          </a:ln>
+        </p:spPr>
+        <p:style>
+          <a:lnRef idx="1">
+            <a:schemeClr val="dk1"/>
+          </a:lnRef>
+          <a:fillRef idx="0">
+            <a:schemeClr val="dk1"/>
+          </a:fillRef>
+          <a:effectRef idx="0">
+            <a:schemeClr val="dk1"/>
+          </a:effectRef>
+          <a:fontRef idx="minor">
+            <a:schemeClr val="tx1"/>
+          </a:fontRef>
+        </p:style>
+      </p:cxnSp>
+      <p:sp>
+        <p:nvSpPr>
+          <p:cNvPr id="22" name="文本框 21">
+            <a:extLst>
+              <a:ext uri="{FF2B5EF4-FFF2-40B4-BE49-F238E27FC236}">
+                <a16:creationId xmlns:a16="http://schemas.microsoft.com/office/drawing/2014/main" id="{FD3AA254-5B3F-4799-A0C5-2CA1ED7ADBD6}"/>
+              </a:ext>
+            </a:extLst>
+          </p:cNvPr>
+          <p:cNvSpPr txBox="1"/>
+          <p:nvPr/>
+        </p:nvSpPr>
+        <p:spPr>
+          <a:xfrm>
+            <a:off x="2722149" y="2476362"/>
+            <a:ext cx="415498" cy="646331"/>
+          </a:xfrm>
+          <a:prstGeom prst="rect">
+            <a:avLst/>
+          </a:prstGeom>
+          <a:noFill/>
+        </p:spPr>
+        <p:txBody>
+          <a:bodyPr wrap="none" rtlCol="0">
+            <a:spAutoFit/>
+          </a:bodyPr>
+          <a:lstStyle/>
+          <a:p>
+            <a:r>
+              <a:rPr lang="zh-CN" altLang="en-US" dirty="0"/>
+              <a:t>进</a:t>
+            </a:r>
+            <a:endParaRPr lang="en-US" altLang="zh-CN" dirty="0"/>
+          </a:p>
+          <a:p>
+            <a:r>
+              <a:rPr lang="zh-CN" altLang="en-US" dirty="0"/>
+              <a:t>入</a:t>
+            </a:r>
+            <a:endParaRPr lang="en-US" altLang="zh-CN" dirty="0"/>
+          </a:p>
+        </p:txBody>
+      </p:sp>
+      <p:sp>
+        <p:nvSpPr>
+          <p:cNvPr id="23" name="文本框 22">
+            <a:extLst>
+              <a:ext uri="{FF2B5EF4-FFF2-40B4-BE49-F238E27FC236}">
+                <a16:creationId xmlns:a16="http://schemas.microsoft.com/office/drawing/2014/main" id="{6E157AB1-0E7B-48D1-BCAC-482F8E7121F2}"/>
+              </a:ext>
+            </a:extLst>
+          </p:cNvPr>
+          <p:cNvSpPr txBox="1"/>
+          <p:nvPr/>
+        </p:nvSpPr>
+        <p:spPr>
+          <a:xfrm>
+            <a:off x="6675576" y="2476361"/>
+            <a:ext cx="415498" cy="646331"/>
+          </a:xfrm>
+          <a:prstGeom prst="rect">
+            <a:avLst/>
+          </a:prstGeom>
+          <a:noFill/>
+        </p:spPr>
+        <p:txBody>
+          <a:bodyPr wrap="none" rtlCol="0">
+            <a:spAutoFit/>
+          </a:bodyPr>
+          <a:lstStyle/>
+          <a:p>
+            <a:r>
+              <a:rPr lang="zh-CN" altLang="en-US" dirty="0"/>
+              <a:t>弹</a:t>
+            </a:r>
+            <a:endParaRPr lang="en-US" altLang="zh-CN" dirty="0"/>
+          </a:p>
+          <a:p>
+            <a:r>
+              <a:rPr lang="zh-CN" altLang="en-US" dirty="0"/>
+              <a:t>出</a:t>
+            </a:r>
+            <a:endParaRPr lang="en-US" altLang="zh-CN" dirty="0"/>
+          </a:p>
+        </p:txBody>
+      </p:sp>
+      <p:cxnSp>
+        <p:nvCxnSpPr>
+          <p:cNvPr id="47" name="直接箭头连接符 46">
+            <a:extLst>
+              <a:ext uri="{FF2B5EF4-FFF2-40B4-BE49-F238E27FC236}">
+                <a16:creationId xmlns:a16="http://schemas.microsoft.com/office/drawing/2014/main" id="{88F0BCC6-BCCC-4305-BDDA-CAFE54DC4523}"/>
+              </a:ext>
+            </a:extLst>
+          </p:cNvPr>
+          <p:cNvCxnSpPr>
+            <a:cxnSpLocks/>
+          </p:cNvCxnSpPr>
+          <p:nvPr/>
+        </p:nvCxnSpPr>
+        <p:spPr>
+          <a:xfrm flipH="1">
+            <a:off x="4849906" y="5360892"/>
+            <a:ext cx="700" cy="376518"/>
+          </a:xfrm>
+          <a:prstGeom prst="straightConnector1">
+            <a:avLst/>
+          </a:prstGeom>
+          <a:ln>
+            <a:tailEnd type="triangle"/>
+          </a:ln>
+        </p:spPr>
+        <p:style>
+          <a:lnRef idx="1">
+            <a:schemeClr val="dk1"/>
+          </a:lnRef>
+          <a:fillRef idx="0">
+            <a:schemeClr val="dk1"/>
+          </a:fillRef>
+          <a:effectRef idx="0">
+            <a:schemeClr val="dk1"/>
+          </a:effectRef>
+          <a:fontRef idx="minor">
+            <a:schemeClr val="tx1"/>
+          </a:fontRef>
+        </p:style>
+      </p:cxnSp>
+      <p:cxnSp>
+        <p:nvCxnSpPr>
+          <p:cNvPr id="21" name="直接连接符 20">
+            <a:extLst>
+              <a:ext uri="{FF2B5EF4-FFF2-40B4-BE49-F238E27FC236}">
+                <a16:creationId xmlns:a16="http://schemas.microsoft.com/office/drawing/2014/main" id="{43C65932-D183-4C5B-9DEE-302C56D45B44}"/>
+              </a:ext>
+            </a:extLst>
+          </p:cNvPr>
+          <p:cNvCxnSpPr>
+            <a:cxnSpLocks/>
+          </p:cNvCxnSpPr>
+          <p:nvPr/>
+        </p:nvCxnSpPr>
+        <p:spPr>
+          <a:xfrm>
+            <a:off x="5523025" y="2058567"/>
+            <a:ext cx="770199" cy="0"/>
+          </a:xfrm>
+          <a:prstGeom prst="line">
+            <a:avLst/>
+          </a:prstGeom>
+        </p:spPr>
+        <p:style>
+          <a:lnRef idx="1">
+            <a:schemeClr val="dk1"/>
+          </a:lnRef>
+          <a:fillRef idx="0">
+            <a:schemeClr val="dk1"/>
+          </a:fillRef>
+          <a:effectRef idx="0">
+            <a:schemeClr val="dk1"/>
+          </a:effectRef>
+          <a:fontRef idx="minor">
+            <a:schemeClr val="tx1"/>
+          </a:fontRef>
+        </p:style>
+      </p:cxnSp>
+      <p:cxnSp>
+        <p:nvCxnSpPr>
+          <p:cNvPr id="24" name="连接符: 肘形 23">
+            <a:extLst>
+              <a:ext uri="{FF2B5EF4-FFF2-40B4-BE49-F238E27FC236}">
+                <a16:creationId xmlns:a16="http://schemas.microsoft.com/office/drawing/2014/main" id="{BBF4BE7C-54F9-4327-A1CF-1705CD682C3B}"/>
+              </a:ext>
+            </a:extLst>
+          </p:cNvPr>
+          <p:cNvCxnSpPr>
+            <a:cxnSpLocks/>
+          </p:cNvCxnSpPr>
+          <p:nvPr/>
+        </p:nvCxnSpPr>
+        <p:spPr>
+          <a:xfrm rot="5400000">
+            <a:off x="5685664" y="2422939"/>
+            <a:ext cx="953810" cy="225067"/>
+          </a:xfrm>
+          <a:prstGeom prst="bentConnector3">
+            <a:avLst>
+              <a:gd name="adj1" fmla="val 99814"/>
+            </a:avLst>
+          </a:prstGeom>
+          <a:ln>
+            <a:tailEnd type="triangle"/>
+          </a:ln>
+        </p:spPr>
+        <p:style>
+          <a:lnRef idx="1">
+            <a:schemeClr val="dk1"/>
+          </a:lnRef>
+          <a:fillRef idx="0">
+            <a:schemeClr val="dk1"/>
+          </a:fillRef>
+          <a:effectRef idx="0">
+            <a:schemeClr val="dk1"/>
+          </a:effectRef>
+          <a:fontRef idx="minor">
+            <a:schemeClr val="tx1"/>
+          </a:fontRef>
+        </p:style>
+      </p:cxnSp>
+      <p:cxnSp>
+        <p:nvCxnSpPr>
+          <p:cNvPr id="30" name="连接符: 肘形 29">
+            <a:extLst>
+              <a:ext uri="{FF2B5EF4-FFF2-40B4-BE49-F238E27FC236}">
+                <a16:creationId xmlns:a16="http://schemas.microsoft.com/office/drawing/2014/main" id="{38BB8B6B-E4FB-4CDC-8DCC-5DAEA13E756B}"/>
+              </a:ext>
+            </a:extLst>
+          </p:cNvPr>
+          <p:cNvCxnSpPr>
+            <a:cxnSpLocks/>
+          </p:cNvCxnSpPr>
+          <p:nvPr/>
+        </p:nvCxnSpPr>
+        <p:spPr>
+          <a:xfrm rot="5400000">
+            <a:off x="5629920" y="3397946"/>
+            <a:ext cx="1047562" cy="243187"/>
+          </a:xfrm>
+          <a:prstGeom prst="bentConnector3">
+            <a:avLst>
+              <a:gd name="adj1" fmla="val 100490"/>
+            </a:avLst>
+          </a:prstGeom>
+          <a:ln>
+            <a:tailEnd type="triangle"/>
+          </a:ln>
+        </p:spPr>
+        <p:style>
+          <a:lnRef idx="1">
+            <a:schemeClr val="dk1"/>
+          </a:lnRef>
+          <a:fillRef idx="0">
+            <a:schemeClr val="dk1"/>
+          </a:fillRef>
+          <a:effectRef idx="0">
+            <a:schemeClr val="dk1"/>
+          </a:effectRef>
+          <a:fontRef idx="minor">
+            <a:schemeClr val="tx1"/>
+          </a:fontRef>
+        </p:style>
+      </p:cxnSp>
+      <p:cxnSp>
+        <p:nvCxnSpPr>
+          <p:cNvPr id="35" name="连接符: 肘形 34">
+            <a:extLst>
+              <a:ext uri="{FF2B5EF4-FFF2-40B4-BE49-F238E27FC236}">
+                <a16:creationId xmlns:a16="http://schemas.microsoft.com/office/drawing/2014/main" id="{59D5C123-103A-46E6-9ECB-560A7AD9C534}"/>
+              </a:ext>
+            </a:extLst>
+          </p:cNvPr>
+          <p:cNvCxnSpPr>
+            <a:cxnSpLocks/>
+          </p:cNvCxnSpPr>
+          <p:nvPr/>
+        </p:nvCxnSpPr>
+        <p:spPr>
+          <a:xfrm rot="5400000">
+            <a:off x="5629919" y="4429083"/>
+            <a:ext cx="1047562" cy="243187"/>
+          </a:xfrm>
+          <a:prstGeom prst="bentConnector3">
+            <a:avLst>
+              <a:gd name="adj1" fmla="val 100490"/>
+            </a:avLst>
+          </a:prstGeom>
+          <a:ln>
+            <a:tailEnd type="triangle"/>
+          </a:ln>
+        </p:spPr>
+        <p:style>
+          <a:lnRef idx="1">
+            <a:schemeClr val="dk1"/>
+          </a:lnRef>
+          <a:fillRef idx="0">
+            <a:schemeClr val="dk1"/>
+          </a:fillRef>
+          <a:effectRef idx="0">
+            <a:schemeClr val="dk1"/>
+          </a:effectRef>
+          <a:fontRef idx="minor">
+            <a:schemeClr val="tx1"/>
+          </a:fontRef>
+        </p:style>
+      </p:cxnSp>
+    </p:spTree>
+    <p:extLst>
+      <p:ext uri="{BB962C8B-B14F-4D97-AF65-F5344CB8AC3E}">
+        <p14:creationId xmlns:p14="http://schemas.microsoft.com/office/powerpoint/2010/main" val="3065943983"/>
       </p:ext>
     </p:extLst>
   </p:cSld>

--- a/C_Program/图示.pptx
+++ b/C_Program/图示.pptx
@@ -265,7 +265,7 @@
           <a:p>
             <a:fld id="{3D8B52AB-5AC2-48CB-8529-452DD95902DB}" type="datetimeFigureOut">
               <a:rPr lang="zh-CN" altLang="en-US" smtClean="0"/>
-              <a:t>2021/11/7</a:t>
+              <a:t>2021/11/12</a:t>
             </a:fld>
             <a:endParaRPr lang="zh-CN" altLang="en-US"/>
           </a:p>
@@ -679,7 +679,7 @@
           <a:p>
             <a:fld id="{1BE091E3-6ADC-4E11-A93B-4559B4B2F556}" type="datetimeFigureOut">
               <a:rPr lang="zh-CN" altLang="en-US" smtClean="0"/>
-              <a:t>2021/11/7</a:t>
+              <a:t>2021/11/12</a:t>
             </a:fld>
             <a:endParaRPr lang="zh-CN" altLang="en-US"/>
           </a:p>
@@ -877,7 +877,7 @@
           <a:p>
             <a:fld id="{1BE091E3-6ADC-4E11-A93B-4559B4B2F556}" type="datetimeFigureOut">
               <a:rPr lang="zh-CN" altLang="en-US" smtClean="0"/>
-              <a:t>2021/11/7</a:t>
+              <a:t>2021/11/12</a:t>
             </a:fld>
             <a:endParaRPr lang="zh-CN" altLang="en-US"/>
           </a:p>
@@ -1085,7 +1085,7 @@
           <a:p>
             <a:fld id="{1BE091E3-6ADC-4E11-A93B-4559B4B2F556}" type="datetimeFigureOut">
               <a:rPr lang="zh-CN" altLang="en-US" smtClean="0"/>
-              <a:t>2021/11/7</a:t>
+              <a:t>2021/11/12</a:t>
             </a:fld>
             <a:endParaRPr lang="zh-CN" altLang="en-US"/>
           </a:p>
@@ -1283,7 +1283,7 @@
           <a:p>
             <a:fld id="{1BE091E3-6ADC-4E11-A93B-4559B4B2F556}" type="datetimeFigureOut">
               <a:rPr lang="zh-CN" altLang="en-US" smtClean="0"/>
-              <a:t>2021/11/7</a:t>
+              <a:t>2021/11/12</a:t>
             </a:fld>
             <a:endParaRPr lang="zh-CN" altLang="en-US"/>
           </a:p>
@@ -1558,7 +1558,7 @@
           <a:p>
             <a:fld id="{1BE091E3-6ADC-4E11-A93B-4559B4B2F556}" type="datetimeFigureOut">
               <a:rPr lang="zh-CN" altLang="en-US" smtClean="0"/>
-              <a:t>2021/11/7</a:t>
+              <a:t>2021/11/12</a:t>
             </a:fld>
             <a:endParaRPr lang="zh-CN" altLang="en-US"/>
           </a:p>
@@ -1823,7 +1823,7 @@
           <a:p>
             <a:fld id="{1BE091E3-6ADC-4E11-A93B-4559B4B2F556}" type="datetimeFigureOut">
               <a:rPr lang="zh-CN" altLang="en-US" smtClean="0"/>
-              <a:t>2021/11/7</a:t>
+              <a:t>2021/11/12</a:t>
             </a:fld>
             <a:endParaRPr lang="zh-CN" altLang="en-US"/>
           </a:p>
@@ -2235,7 +2235,7 @@
           <a:p>
             <a:fld id="{1BE091E3-6ADC-4E11-A93B-4559B4B2F556}" type="datetimeFigureOut">
               <a:rPr lang="zh-CN" altLang="en-US" smtClean="0"/>
-              <a:t>2021/11/7</a:t>
+              <a:t>2021/11/12</a:t>
             </a:fld>
             <a:endParaRPr lang="zh-CN" altLang="en-US"/>
           </a:p>
@@ -2376,7 +2376,7 @@
           <a:p>
             <a:fld id="{1BE091E3-6ADC-4E11-A93B-4559B4B2F556}" type="datetimeFigureOut">
               <a:rPr lang="zh-CN" altLang="en-US" smtClean="0"/>
-              <a:t>2021/11/7</a:t>
+              <a:t>2021/11/12</a:t>
             </a:fld>
             <a:endParaRPr lang="zh-CN" altLang="en-US"/>
           </a:p>
@@ -2489,7 +2489,7 @@
           <a:p>
             <a:fld id="{1BE091E3-6ADC-4E11-A93B-4559B4B2F556}" type="datetimeFigureOut">
               <a:rPr lang="zh-CN" altLang="en-US" smtClean="0"/>
-              <a:t>2021/11/7</a:t>
+              <a:t>2021/11/12</a:t>
             </a:fld>
             <a:endParaRPr lang="zh-CN" altLang="en-US"/>
           </a:p>
@@ -2800,7 +2800,7 @@
           <a:p>
             <a:fld id="{1BE091E3-6ADC-4E11-A93B-4559B4B2F556}" type="datetimeFigureOut">
               <a:rPr lang="zh-CN" altLang="en-US" smtClean="0"/>
-              <a:t>2021/11/7</a:t>
+              <a:t>2021/11/12</a:t>
             </a:fld>
             <a:endParaRPr lang="zh-CN" altLang="en-US"/>
           </a:p>
@@ -3088,7 +3088,7 @@
           <a:p>
             <a:fld id="{1BE091E3-6ADC-4E11-A93B-4559B4B2F556}" type="datetimeFigureOut">
               <a:rPr lang="zh-CN" altLang="en-US" smtClean="0"/>
-              <a:t>2021/11/7</a:t>
+              <a:t>2021/11/12</a:t>
             </a:fld>
             <a:endParaRPr lang="zh-CN" altLang="en-US"/>
           </a:p>
@@ -3329,7 +3329,7 @@
           <a:p>
             <a:fld id="{1BE091E3-6ADC-4E11-A93B-4559B4B2F556}" type="datetimeFigureOut">
               <a:rPr lang="zh-CN" altLang="en-US" smtClean="0"/>
-              <a:t>2021/11/7</a:t>
+              <a:t>2021/11/12</a:t>
             </a:fld>
             <a:endParaRPr lang="zh-CN" altLang="en-US"/>
           </a:p>
@@ -5859,8 +5859,8 @@
         </p:nvSpPr>
         <p:spPr>
           <a:xfrm>
-            <a:off x="934110" y="3137826"/>
-            <a:ext cx="415498" cy="1477328"/>
+            <a:off x="2379501" y="3127392"/>
+            <a:ext cx="415498" cy="1200329"/>
           </a:xfrm>
           <a:prstGeom prst="rect">
             <a:avLst/>
@@ -5874,12 +5874,6 @@
           <a:lstStyle/>
           <a:p>
             <a:r>
-              <a:rPr lang="en-US" altLang="zh-CN" dirty="0"/>
-              <a:t> C</a:t>
-            </a:r>
-          </a:p>
-          <a:p>
-            <a:r>
               <a:rPr lang="zh-CN" altLang="en-US" dirty="0"/>
               <a:t>数</a:t>
             </a:r>
@@ -5922,7 +5916,7 @@
         </p:nvSpPr>
         <p:spPr>
           <a:xfrm>
-            <a:off x="2072730" y="3533426"/>
+            <a:off x="3103787" y="3639812"/>
             <a:ext cx="1138517" cy="369332"/>
           </a:xfrm>
           <a:prstGeom prst="rect">
@@ -5958,7 +5952,7 @@
         </p:nvSpPr>
         <p:spPr>
           <a:xfrm>
-            <a:off x="7226114" y="919759"/>
+            <a:off x="7196617" y="349486"/>
             <a:ext cx="1653425" cy="369332"/>
           </a:xfrm>
           <a:prstGeom prst="rect">
@@ -5997,7 +5991,7 @@
         </p:nvSpPr>
         <p:spPr>
           <a:xfrm>
-            <a:off x="2072730" y="4463271"/>
+            <a:off x="3105726" y="4523366"/>
             <a:ext cx="1287796" cy="369332"/>
           </a:xfrm>
           <a:prstGeom prst="rect">
@@ -6033,7 +6027,7 @@
         </p:nvSpPr>
         <p:spPr>
           <a:xfrm>
-            <a:off x="2072730" y="5202000"/>
+            <a:off x="3106230" y="5110203"/>
             <a:ext cx="1575992" cy="369332"/>
           </a:xfrm>
           <a:prstGeom prst="rect">
@@ -6072,7 +6066,7 @@
         </p:nvSpPr>
         <p:spPr>
           <a:xfrm>
-            <a:off x="3990657" y="1717443"/>
+            <a:off x="4517957" y="1276556"/>
             <a:ext cx="1138517" cy="369332"/>
           </a:xfrm>
           <a:prstGeom prst="rect">
@@ -6108,7 +6102,7 @@
         </p:nvSpPr>
         <p:spPr>
           <a:xfrm>
-            <a:off x="3980984" y="2533565"/>
+            <a:off x="4517903" y="2349867"/>
             <a:ext cx="1546074" cy="369332"/>
           </a:xfrm>
           <a:prstGeom prst="rect">
@@ -6147,7 +6141,7 @@
         </p:nvSpPr>
         <p:spPr>
           <a:xfrm>
-            <a:off x="4111944" y="3257581"/>
+            <a:off x="4515070" y="3277244"/>
             <a:ext cx="1138517" cy="369332"/>
           </a:xfrm>
           <a:prstGeom prst="rect">
@@ -6183,7 +6177,7 @@
         </p:nvSpPr>
         <p:spPr>
           <a:xfrm>
-            <a:off x="4024539" y="3718092"/>
+            <a:off x="4516149" y="3659099"/>
             <a:ext cx="1655471" cy="369332"/>
           </a:xfrm>
           <a:prstGeom prst="rect">
@@ -6222,7 +6216,7 @@
         </p:nvSpPr>
         <p:spPr>
           <a:xfrm>
-            <a:off x="4034986" y="4178603"/>
+            <a:off x="4516770" y="4040954"/>
             <a:ext cx="1645024" cy="369332"/>
           </a:xfrm>
           <a:prstGeom prst="rect">
@@ -6261,7 +6255,7 @@
         </p:nvSpPr>
         <p:spPr>
           <a:xfrm>
-            <a:off x="4034986" y="4647937"/>
+            <a:off x="4499216" y="2731419"/>
             <a:ext cx="1871841" cy="369332"/>
           </a:xfrm>
           <a:prstGeom prst="rect">
@@ -6300,7 +6294,7 @@
         </p:nvSpPr>
         <p:spPr>
           <a:xfrm>
-            <a:off x="5985767" y="1413382"/>
+            <a:off x="6112406" y="726997"/>
             <a:ext cx="1138517" cy="369332"/>
           </a:xfrm>
           <a:prstGeom prst="rect">
@@ -6336,7 +6330,7 @@
         </p:nvSpPr>
         <p:spPr>
           <a:xfrm>
-            <a:off x="5910281" y="2415493"/>
+            <a:off x="6113554" y="1920219"/>
             <a:ext cx="1138517" cy="369332"/>
           </a:xfrm>
           <a:prstGeom prst="rect">
@@ -6372,7 +6366,7 @@
         </p:nvSpPr>
         <p:spPr>
           <a:xfrm>
-            <a:off x="2074650" y="2200122"/>
+            <a:off x="3108070" y="1959508"/>
             <a:ext cx="1138517" cy="369332"/>
           </a:xfrm>
           <a:prstGeom prst="rect">
@@ -6408,7 +6402,7 @@
         </p:nvSpPr>
         <p:spPr>
           <a:xfrm>
-            <a:off x="7334647" y="1301709"/>
+            <a:off x="7196999" y="731436"/>
             <a:ext cx="1138517" cy="369332"/>
           </a:xfrm>
           <a:prstGeom prst="rect">
@@ -6447,7 +6441,7 @@
         </p:nvSpPr>
         <p:spPr>
           <a:xfrm>
-            <a:off x="7248026" y="1662163"/>
+            <a:off x="7198866" y="1091890"/>
             <a:ext cx="1636719" cy="369332"/>
           </a:xfrm>
           <a:prstGeom prst="rect">
@@ -6486,7 +6480,7 @@
         </p:nvSpPr>
         <p:spPr>
           <a:xfrm>
-            <a:off x="7077192" y="2164233"/>
+            <a:off x="7195176" y="1593960"/>
             <a:ext cx="1653425" cy="369332"/>
           </a:xfrm>
           <a:prstGeom prst="rect">
@@ -6525,7 +6519,7 @@
         </p:nvSpPr>
         <p:spPr>
           <a:xfrm>
-            <a:off x="7077192" y="2953160"/>
+            <a:off x="7195176" y="2382887"/>
             <a:ext cx="2084449" cy="369332"/>
           </a:xfrm>
           <a:prstGeom prst="rect">
@@ -6552,10 +6546,10 @@
       </p:sp>
       <p:sp>
         <p:nvSpPr>
-          <p:cNvPr id="23" name="左大括号 22">
-            <a:extLst>
-              <a:ext uri="{FF2B5EF4-FFF2-40B4-BE49-F238E27FC236}">
-                <a16:creationId xmlns:a16="http://schemas.microsoft.com/office/drawing/2014/main" id="{0F4D47C2-33FC-4A36-A9E6-F580E3145EA6}"/>
+          <p:cNvPr id="2" name="左大括号 1">
+            <a:extLst>
+              <a:ext uri="{FF2B5EF4-FFF2-40B4-BE49-F238E27FC236}">
+                <a16:creationId xmlns:a16="http://schemas.microsoft.com/office/drawing/2014/main" id="{8E890870-8447-45E6-836F-E434F4FAC366}"/>
               </a:ext>
             </a:extLst>
           </p:cNvPr>
@@ -6564,14 +6558,11 @@
         </p:nvSpPr>
         <p:spPr>
           <a:xfrm>
-            <a:off x="1394637" y="2200122"/>
-            <a:ext cx="749123" cy="3534853"/>
+            <a:off x="4246587" y="1276556"/>
+            <a:ext cx="200316" cy="1756180"/>
           </a:xfrm>
           <a:prstGeom prst="leftBrace">
-            <a:avLst>
-              <a:gd name="adj1" fmla="val 8333"/>
-              <a:gd name="adj2" fmla="val 48997"/>
-            </a:avLst>
+            <a:avLst/>
           </a:prstGeom>
         </p:spPr>
         <p:style>
@@ -6599,10 +6590,10 @@
       </p:sp>
       <p:sp>
         <p:nvSpPr>
-          <p:cNvPr id="24" name="左大括号 23">
-            <a:extLst>
-              <a:ext uri="{FF2B5EF4-FFF2-40B4-BE49-F238E27FC236}">
-                <a16:creationId xmlns:a16="http://schemas.microsoft.com/office/drawing/2014/main" id="{6A791587-816B-48B2-B191-E7FAA13217DF}"/>
+          <p:cNvPr id="30" name="左大括号 29">
+            <a:extLst>
+              <a:ext uri="{FF2B5EF4-FFF2-40B4-BE49-F238E27FC236}">
+                <a16:creationId xmlns:a16="http://schemas.microsoft.com/office/drawing/2014/main" id="{DB67BF16-708C-4415-94DF-CE9A8FE50DC8}"/>
               </a:ext>
             </a:extLst>
           </p:cNvPr>
@@ -6611,14 +6602,11 @@
         </p:nvSpPr>
         <p:spPr>
           <a:xfrm>
-            <a:off x="3421399" y="1782714"/>
-            <a:ext cx="513859" cy="1192671"/>
+            <a:off x="6964052" y="349486"/>
+            <a:ext cx="160584" cy="1111736"/>
           </a:xfrm>
           <a:prstGeom prst="leftBrace">
-            <a:avLst>
-              <a:gd name="adj1" fmla="val 8333"/>
-              <a:gd name="adj2" fmla="val 51839"/>
-            </a:avLst>
+            <a:avLst/>
           </a:prstGeom>
         </p:spPr>
         <p:style>
@@ -6644,12 +6632,48 @@
           </a:p>
         </p:txBody>
       </p:sp>
+      <p:cxnSp>
+        <p:nvCxnSpPr>
+          <p:cNvPr id="36" name="直接连接符 35">
+            <a:extLst>
+              <a:ext uri="{FF2B5EF4-FFF2-40B4-BE49-F238E27FC236}">
+                <a16:creationId xmlns:a16="http://schemas.microsoft.com/office/drawing/2014/main" id="{0D378831-C596-481D-AC10-00B03A786180}"/>
+              </a:ext>
+            </a:extLst>
+          </p:cNvPr>
+          <p:cNvCxnSpPr/>
+          <p:nvPr/>
+        </p:nvCxnSpPr>
+        <p:spPr>
+          <a:xfrm>
+            <a:off x="11798151" y="1265559"/>
+            <a:ext cx="0" cy="4570444"/>
+          </a:xfrm>
+          <a:prstGeom prst="line">
+            <a:avLst/>
+          </a:prstGeom>
+        </p:spPr>
+        <p:style>
+          <a:lnRef idx="1">
+            <a:schemeClr val="accent1"/>
+          </a:lnRef>
+          <a:fillRef idx="0">
+            <a:schemeClr val="accent1"/>
+          </a:fillRef>
+          <a:effectRef idx="0">
+            <a:schemeClr val="accent1"/>
+          </a:effectRef>
+          <a:fontRef idx="minor">
+            <a:schemeClr val="tx1"/>
+          </a:fontRef>
+        </p:style>
+      </p:cxnSp>
       <p:sp>
         <p:nvSpPr>
-          <p:cNvPr id="25" name="左大括号 24">
-            <a:extLst>
-              <a:ext uri="{FF2B5EF4-FFF2-40B4-BE49-F238E27FC236}">
-                <a16:creationId xmlns:a16="http://schemas.microsoft.com/office/drawing/2014/main" id="{8D0F63B8-CCAB-44B0-90F9-84F5DB80BA6A}"/>
+          <p:cNvPr id="37" name="左大括号 36">
+            <a:extLst>
+              <a:ext uri="{FF2B5EF4-FFF2-40B4-BE49-F238E27FC236}">
+                <a16:creationId xmlns:a16="http://schemas.microsoft.com/office/drawing/2014/main" id="{675A347E-A3D0-4AB3-A86D-22254177E476}"/>
               </a:ext>
             </a:extLst>
           </p:cNvPr>
@@ -6658,14 +6682,11 @@
         </p:nvSpPr>
         <p:spPr>
           <a:xfrm>
-            <a:off x="3354041" y="3257581"/>
-            <a:ext cx="513869" cy="1788777"/>
+            <a:off x="6968967" y="1573603"/>
+            <a:ext cx="160584" cy="1111736"/>
           </a:xfrm>
           <a:prstGeom prst="leftBrace">
-            <a:avLst>
-              <a:gd name="adj1" fmla="val 8333"/>
-              <a:gd name="adj2" fmla="val 27667"/>
-            </a:avLst>
+            <a:avLst/>
           </a:prstGeom>
         </p:spPr>
         <p:style>
@@ -6693,10 +6714,10 @@
       </p:sp>
       <p:sp>
         <p:nvSpPr>
-          <p:cNvPr id="26" name="左大括号 25">
-            <a:extLst>
-              <a:ext uri="{FF2B5EF4-FFF2-40B4-BE49-F238E27FC236}">
-                <a16:creationId xmlns:a16="http://schemas.microsoft.com/office/drawing/2014/main" id="{BCA98BEE-B738-4D9B-8242-34CD8E7A3411}"/>
+          <p:cNvPr id="38" name="左大括号 37">
+            <a:extLst>
+              <a:ext uri="{FF2B5EF4-FFF2-40B4-BE49-F238E27FC236}">
+                <a16:creationId xmlns:a16="http://schemas.microsoft.com/office/drawing/2014/main" id="{52EAA799-5B68-4DA7-880B-8BEAD310E3F6}"/>
               </a:ext>
             </a:extLst>
           </p:cNvPr>
@@ -6705,14 +6726,11 @@
         </p:nvSpPr>
         <p:spPr>
           <a:xfrm>
-            <a:off x="5473370" y="1243118"/>
-            <a:ext cx="436911" cy="1625981"/>
+            <a:off x="5933194" y="718818"/>
+            <a:ext cx="172547" cy="1482538"/>
           </a:xfrm>
           <a:prstGeom prst="leftBrace">
-            <a:avLst>
-              <a:gd name="adj1" fmla="val 8333"/>
-              <a:gd name="adj2" fmla="val 37988"/>
-            </a:avLst>
+            <a:avLst/>
           </a:prstGeom>
         </p:spPr>
         <p:style>
@@ -6738,12 +6756,50 @@
           </a:p>
         </p:txBody>
       </p:sp>
+      <p:cxnSp>
+        <p:nvCxnSpPr>
+          <p:cNvPr id="41" name="直接连接符 40">
+            <a:extLst>
+              <a:ext uri="{FF2B5EF4-FFF2-40B4-BE49-F238E27FC236}">
+                <a16:creationId xmlns:a16="http://schemas.microsoft.com/office/drawing/2014/main" id="{0AC13F97-B5F7-480F-8F91-2F1582FB5808}"/>
+              </a:ext>
+            </a:extLst>
+          </p:cNvPr>
+          <p:cNvCxnSpPr>
+            <a:cxnSpLocks/>
+          </p:cNvCxnSpPr>
+          <p:nvPr/>
+        </p:nvCxnSpPr>
+        <p:spPr>
+          <a:xfrm rot="5400000">
+            <a:off x="9521967" y="4229999"/>
+            <a:ext cx="0" cy="4570444"/>
+          </a:xfrm>
+          <a:prstGeom prst="line">
+            <a:avLst/>
+          </a:prstGeom>
+        </p:spPr>
+        <p:style>
+          <a:lnRef idx="1">
+            <a:schemeClr val="accent1"/>
+          </a:lnRef>
+          <a:fillRef idx="0">
+            <a:schemeClr val="accent1"/>
+          </a:fillRef>
+          <a:effectRef idx="0">
+            <a:schemeClr val="accent1"/>
+          </a:effectRef>
+          <a:fontRef idx="minor">
+            <a:schemeClr val="tx1"/>
+          </a:fontRef>
+        </p:style>
+      </p:cxnSp>
       <p:sp>
         <p:nvSpPr>
-          <p:cNvPr id="27" name="左大括号 26">
-            <a:extLst>
-              <a:ext uri="{FF2B5EF4-FFF2-40B4-BE49-F238E27FC236}">
-                <a16:creationId xmlns:a16="http://schemas.microsoft.com/office/drawing/2014/main" id="{9C70C267-5856-4EED-9D15-FAF58C2A07AA}"/>
+          <p:cNvPr id="42" name="左大括号 41">
+            <a:extLst>
+              <a:ext uri="{FF2B5EF4-FFF2-40B4-BE49-F238E27FC236}">
+                <a16:creationId xmlns:a16="http://schemas.microsoft.com/office/drawing/2014/main" id="{E87C8890-FD97-4A43-8395-B4FC4CDEDBE1}"/>
               </a:ext>
             </a:extLst>
           </p:cNvPr>
@@ -6752,8 +6808,8 @@
         </p:nvSpPr>
         <p:spPr>
           <a:xfrm>
-            <a:off x="6737338" y="2164232"/>
-            <a:ext cx="464962" cy="1152785"/>
+            <a:off x="4251108" y="3238679"/>
+            <a:ext cx="195790" cy="1171599"/>
           </a:xfrm>
           <a:prstGeom prst="leftBrace">
             <a:avLst/>
@@ -6784,10 +6840,10 @@
       </p:sp>
       <p:sp>
         <p:nvSpPr>
-          <p:cNvPr id="28" name="左大括号 27">
-            <a:extLst>
-              <a:ext uri="{FF2B5EF4-FFF2-40B4-BE49-F238E27FC236}">
-                <a16:creationId xmlns:a16="http://schemas.microsoft.com/office/drawing/2014/main" id="{3D251DFC-6EE1-4444-9E1F-DF9ADF6DFD21}"/>
+          <p:cNvPr id="43" name="左大括号 42">
+            <a:extLst>
+              <a:ext uri="{FF2B5EF4-FFF2-40B4-BE49-F238E27FC236}">
+                <a16:creationId xmlns:a16="http://schemas.microsoft.com/office/drawing/2014/main" id="{92E42EC9-C600-4783-BBB2-AFB45CC6F641}"/>
               </a:ext>
             </a:extLst>
           </p:cNvPr>
@@ -6796,8 +6852,8 @@
         </p:nvSpPr>
         <p:spPr>
           <a:xfrm>
-            <a:off x="6765389" y="1003177"/>
-            <a:ext cx="445516" cy="973180"/>
+            <a:off x="2876700" y="1920219"/>
+            <a:ext cx="122139" cy="3654664"/>
           </a:xfrm>
           <a:prstGeom prst="leftBrace">
             <a:avLst/>
@@ -30984,7 +31040,7 @@
           <p:nvPr>
             <p:extLst>
               <p:ext uri="{D42A27DB-BD31-4B8C-83A1-F6EECF244321}">
-                <p14:modId xmlns:p14="http://schemas.microsoft.com/office/powerpoint/2010/main" val="4020302179"/>
+                <p14:modId xmlns:p14="http://schemas.microsoft.com/office/powerpoint/2010/main" val="4080906686"/>
               </p:ext>
             </p:extLst>
           </p:nvPr>
@@ -31033,7 +31089,7 @@
                     <a:p>
                       <a:r>
                         <a:rPr lang="en-US" altLang="zh-CN" dirty="0"/>
-                        <a:t>0</a:t>
+                        <a:t>\0</a:t>
                       </a:r>
                       <a:endParaRPr lang="zh-CN" altLang="en-US" dirty="0"/>
                     </a:p>
